--- a/01_講義/プレ研修/002_4_6_IT入門 - 1/01_研修ガイダンス/IT入門_研修ガイダンス_講義資料_1.0.3.pptx
+++ b/01_講義/プレ研修/002_4_6_IT入門 - 1/01_研修ガイダンス/IT入門_研修ガイダンス_講義資料_1.0.3.pptx
@@ -25,13 +25,13 @@
     <p:sldId id="319" r:id="rId13"/>
     <p:sldId id="311" r:id="rId14"/>
     <p:sldId id="312" r:id="rId15"/>
-    <p:sldId id="276" r:id="rId16"/>
-    <p:sldId id="286" r:id="rId17"/>
-    <p:sldId id="287" r:id="rId18"/>
-    <p:sldId id="288" r:id="rId19"/>
-    <p:sldId id="289" r:id="rId20"/>
-    <p:sldId id="290" r:id="rId21"/>
-    <p:sldId id="283" r:id="rId22"/>
+    <p:sldId id="322" r:id="rId16"/>
+    <p:sldId id="276" r:id="rId17"/>
+    <p:sldId id="286" r:id="rId18"/>
+    <p:sldId id="287" r:id="rId19"/>
+    <p:sldId id="288" r:id="rId20"/>
+    <p:sldId id="289" r:id="rId21"/>
+    <p:sldId id="290" r:id="rId22"/>
     <p:sldId id="275" r:id="rId23"/>
     <p:sldId id="291" r:id="rId24"/>
     <p:sldId id="292" r:id="rId25"/>
@@ -268,7 +268,7 @@
             <a:fld id="{AE11C91D-A09D-BE40-B0A2-1EC8A9A967C6}" type="datetimeFigureOut">
               <a:rPr kumimoji="1" lang="ja-JP" altLang="en-US" smtClean="0"/>
               <a:pPr/>
-              <a:t>2023/2/27</a:t>
+              <a:t>2023/4/6</a:t>
             </a:fld>
             <a:endParaRPr kumimoji="1" lang="ja-JP" altLang="en-US"/>
           </a:p>
@@ -436,7 +436,7 @@
             <a:fld id="{5514A29B-80F8-2240-96F5-E3DE4675E243}" type="datetimeFigureOut">
               <a:rPr kumimoji="1" lang="ja-JP" altLang="en-US" smtClean="0"/>
               <a:pPr/>
-              <a:t>2023/2/27</a:t>
+              <a:t>2023/4/6</a:t>
             </a:fld>
             <a:endParaRPr kumimoji="1" lang="ja-JP" altLang="en-US"/>
           </a:p>
@@ -1822,9 +1822,82 @@
           <a:bodyPr/>
           <a:lstStyle/>
           <a:p>
+            <a:pPr marL="0" marR="0" lvl="0" indent="0" algn="l" defTabSz="914400" rtl="0" eaLnBrk="1" fontAlgn="auto" latinLnBrk="0" hangingPunct="1">
+              <a:lnSpc>
+                <a:spcPct val="100000"/>
+              </a:lnSpc>
+              <a:spcBef>
+                <a:spcPts val="0"/>
+              </a:spcBef>
+              <a:spcAft>
+                <a:spcPts val="0"/>
+              </a:spcAft>
+              <a:buClrTx/>
+              <a:buSzTx/>
+              <a:buFontTx/>
+              <a:buNone/>
+              <a:tabLst/>
+              <a:defRPr/>
+            </a:pPr>
+            <a:r>
+              <a:rPr lang="en-US" altLang="ja-JP" dirty="0">
+                <a:latin typeface="メイリオ" panose="020B0604030504040204" pitchFamily="50" charset="-128"/>
+                <a:ea typeface="メイリオ" panose="020B0604030504040204" pitchFamily="50" charset="-128"/>
+              </a:rPr>
+              <a:t>Google</a:t>
+            </a:r>
+            <a:r>
+              <a:rPr lang="ja-JP" altLang="en-US" dirty="0">
+                <a:latin typeface="メイリオ" panose="020B0604030504040204" pitchFamily="50" charset="-128"/>
+                <a:ea typeface="メイリオ" panose="020B0604030504040204" pitchFamily="50" charset="-128"/>
+              </a:rPr>
+              <a:t>アカウント作成</a:t>
+            </a:r>
             <a:r>
               <a:rPr kumimoji="1" lang="ja-JP" altLang="en-US" dirty="0"/>
-              <a:t>サポーターはこのタイミングで受講生番号を共有してください。</a:t>
+              <a:t>を個人で進められる受講生は</a:t>
+            </a:r>
+            <a:r>
+              <a:rPr lang="ja-JP" altLang="en-US" dirty="0">
+                <a:latin typeface="メイリオ" panose="020B0604030504040204" pitchFamily="50" charset="-128"/>
+                <a:ea typeface="メイリオ" panose="020B0604030504040204" pitchFamily="50" charset="-128"/>
+              </a:rPr>
+              <a:t>「</a:t>
+            </a:r>
+            <a:r>
+              <a:rPr lang="en-US" altLang="ja-JP" b="1" dirty="0">
+                <a:latin typeface="メイリオ" panose="020B0604030504040204" pitchFamily="50" charset="-128"/>
+                <a:ea typeface="メイリオ" panose="020B0604030504040204" pitchFamily="50" charset="-128"/>
+              </a:rPr>
+              <a:t>Google </a:t>
+            </a:r>
+            <a:r>
+              <a:rPr lang="ja-JP" altLang="en-US" b="1" dirty="0">
+                <a:latin typeface="メイリオ" panose="020B0604030504040204" pitchFamily="50" charset="-128"/>
+                <a:ea typeface="メイリオ" panose="020B0604030504040204" pitchFamily="50" charset="-128"/>
+              </a:rPr>
+              <a:t>アカウント</a:t>
+            </a:r>
+            <a:r>
+              <a:rPr lang="en-US" altLang="ja-JP" b="1" dirty="0">
+                <a:latin typeface="メイリオ" panose="020B0604030504040204" pitchFamily="50" charset="-128"/>
+                <a:ea typeface="メイリオ" panose="020B0604030504040204" pitchFamily="50" charset="-128"/>
+              </a:rPr>
+              <a:t>&amp;</a:t>
+            </a:r>
+            <a:r>
+              <a:rPr lang="ja-JP" altLang="en-US" b="1" dirty="0">
+                <a:latin typeface="メイリオ" panose="020B0604030504040204" pitchFamily="50" charset="-128"/>
+                <a:ea typeface="メイリオ" panose="020B0604030504040204" pitchFamily="50" charset="-128"/>
+              </a:rPr>
+              <a:t>ツール利用マニュアル</a:t>
+            </a:r>
+            <a:r>
+              <a:rPr lang="ja-JP" altLang="en-US" dirty="0">
+                <a:latin typeface="メイリオ" panose="020B0604030504040204" pitchFamily="50" charset="-128"/>
+                <a:ea typeface="メイリオ" panose="020B0604030504040204" pitchFamily="50" charset="-128"/>
+              </a:rPr>
+              <a:t>」を参考に進めていただいて構いません</a:t>
             </a:r>
             <a:endParaRPr kumimoji="1" lang="en-US" altLang="ja-JP" dirty="0"/>
           </a:p>
@@ -1876,7 +1949,7 @@
     </p:spTree>
     <p:extLst>
       <p:ext uri="{BB962C8B-B14F-4D97-AF65-F5344CB8AC3E}">
-        <p14:creationId xmlns:p14="http://schemas.microsoft.com/office/powerpoint/2010/main" val="1994266457"/>
+        <p14:creationId xmlns:p14="http://schemas.microsoft.com/office/powerpoint/2010/main" val="1547521342"/>
       </p:ext>
     </p:extLst>
   </p:cSld>
@@ -1931,97 +2004,8 @@
           <a:lstStyle/>
           <a:p>
             <a:r>
-              <a:rPr kumimoji="1" lang="en-US" altLang="ja-JP" dirty="0"/>
-              <a:t>Zoom</a:t>
-            </a:r>
-            <a:r>
               <a:rPr kumimoji="1" lang="ja-JP" altLang="en-US" dirty="0"/>
-              <a:t>アカウントの修正を個人で進められる受講生は</a:t>
-            </a:r>
-            <a:r>
-              <a:rPr lang="ja-JP" altLang="en-US" dirty="0">
-                <a:latin typeface="メイリオ" panose="020B0604030504040204" pitchFamily="50" charset="-128"/>
-                <a:ea typeface="メイリオ" panose="020B0604030504040204" pitchFamily="50" charset="-128"/>
-              </a:rPr>
-              <a:t>「</a:t>
-            </a:r>
-            <a:r>
-              <a:rPr lang="en-US" altLang="ja-JP" b="1" dirty="0">
-                <a:latin typeface="メイリオ" panose="020B0604030504040204" pitchFamily="50" charset="-128"/>
-                <a:ea typeface="メイリオ" panose="020B0604030504040204" pitchFamily="50" charset="-128"/>
-              </a:rPr>
-              <a:t>Zoom</a:t>
-            </a:r>
-            <a:r>
-              <a:rPr lang="ja-JP" altLang="en-US" b="1" dirty="0">
-                <a:latin typeface="メイリオ" panose="020B0604030504040204" pitchFamily="50" charset="-128"/>
-                <a:ea typeface="メイリオ" panose="020B0604030504040204" pitchFamily="50" charset="-128"/>
-              </a:rPr>
-              <a:t>利用マニュアル</a:t>
-            </a:r>
-            <a:r>
-              <a:rPr lang="ja-JP" altLang="en-US" dirty="0">
-                <a:latin typeface="メイリオ" panose="020B0604030504040204" pitchFamily="50" charset="-128"/>
-                <a:ea typeface="メイリオ" panose="020B0604030504040204" pitchFamily="50" charset="-128"/>
-              </a:rPr>
-              <a:t>」の章「</a:t>
-            </a:r>
-            <a:r>
-              <a:rPr lang="en-US" altLang="ja-JP" dirty="0">
-                <a:latin typeface="メイリオ" panose="020B0604030504040204" pitchFamily="50" charset="-128"/>
-                <a:ea typeface="メイリオ" panose="020B0604030504040204" pitchFamily="50" charset="-128"/>
-              </a:rPr>
-              <a:t>Zoom</a:t>
-            </a:r>
-            <a:r>
-              <a:rPr lang="ja-JP" altLang="en-US" dirty="0">
-                <a:latin typeface="メイリオ" panose="020B0604030504040204" pitchFamily="50" charset="-128"/>
-                <a:ea typeface="メイリオ" panose="020B0604030504040204" pitchFamily="50" charset="-128"/>
-              </a:rPr>
-              <a:t>アカウント名の変更方法」を参考に進めていただいて構いません。</a:t>
-            </a:r>
-            <a:endParaRPr lang="en-US" altLang="ja-JP" dirty="0">
-              <a:latin typeface="メイリオ" panose="020B0604030504040204" pitchFamily="50" charset="-128"/>
-              <a:ea typeface="メイリオ" panose="020B0604030504040204" pitchFamily="50" charset="-128"/>
-            </a:endParaRPr>
-          </a:p>
-          <a:p>
-            <a:pPr marL="0" marR="0" lvl="0" indent="0" algn="l" defTabSz="914400" rtl="0" eaLnBrk="1" fontAlgn="auto" latinLnBrk="0" hangingPunct="1">
-              <a:lnSpc>
-                <a:spcPct val="100000"/>
-              </a:lnSpc>
-              <a:spcBef>
-                <a:spcPts val="0"/>
-              </a:spcBef>
-              <a:spcAft>
-                <a:spcPts val="0"/>
-              </a:spcAft>
-              <a:buClrTx/>
-              <a:buSzTx/>
-              <a:buFontTx/>
-              <a:buNone/>
-              <a:tabLst/>
-              <a:defRPr/>
-            </a:pPr>
-            <a:r>
-              <a:rPr kumimoji="1" lang="ja-JP" altLang="en-US" dirty="0"/>
-              <a:t>オンライン形式の会場は、</a:t>
-            </a:r>
-            <a:r>
-              <a:rPr kumimoji="1" lang="en-US" altLang="ja-JP" dirty="0"/>
-              <a:t>Zoom</a:t>
-            </a:r>
-            <a:r>
-              <a:rPr kumimoji="1" lang="ja-JP" altLang="en-US" dirty="0"/>
-              <a:t>のチャット欄に</a:t>
-            </a:r>
-            <a:r>
-              <a:rPr kumimoji="1" lang="en-US" altLang="ja-JP" dirty="0"/>
-              <a:t>URL</a:t>
-            </a:r>
-            <a:r>
-              <a:rPr kumimoji="1" lang="ja-JP" altLang="en-US" dirty="0"/>
-              <a:t>を投稿してください。</a:t>
+              <a:t>サポーターはこのタイミングで受講生番号を共有してください。</a:t>
             </a:r>
             <a:endParaRPr kumimoji="1" lang="en-US" altLang="ja-JP" dirty="0"/>
           </a:p>
@@ -2073,7 +2057,7 @@
     </p:spTree>
     <p:extLst>
       <p:ext uri="{BB962C8B-B14F-4D97-AF65-F5344CB8AC3E}">
-        <p14:creationId xmlns:p14="http://schemas.microsoft.com/office/powerpoint/2010/main" val="1374007022"/>
+        <p14:creationId xmlns:p14="http://schemas.microsoft.com/office/powerpoint/2010/main" val="1994266457"/>
       </p:ext>
     </p:extLst>
   </p:cSld>
@@ -2127,6 +2111,62 @@
           <a:bodyPr/>
           <a:lstStyle/>
           <a:p>
+            <a:r>
+              <a:rPr kumimoji="1" lang="en-US" altLang="ja-JP" dirty="0"/>
+              <a:t>Zoom</a:t>
+            </a:r>
+            <a:r>
+              <a:rPr kumimoji="1" lang="ja-JP" altLang="en-US" dirty="0"/>
+              <a:t>アカウントの修正を個人で進められる受講生は</a:t>
+            </a:r>
+            <a:r>
+              <a:rPr lang="ja-JP" altLang="en-US" dirty="0">
+                <a:latin typeface="メイリオ" panose="020B0604030504040204" pitchFamily="50" charset="-128"/>
+                <a:ea typeface="メイリオ" panose="020B0604030504040204" pitchFamily="50" charset="-128"/>
+              </a:rPr>
+              <a:t>「</a:t>
+            </a:r>
+            <a:r>
+              <a:rPr lang="en-US" altLang="ja-JP" b="1" dirty="0">
+                <a:latin typeface="メイリオ" panose="020B0604030504040204" pitchFamily="50" charset="-128"/>
+                <a:ea typeface="メイリオ" panose="020B0604030504040204" pitchFamily="50" charset="-128"/>
+              </a:rPr>
+              <a:t>Zoom</a:t>
+            </a:r>
+            <a:r>
+              <a:rPr lang="ja-JP" altLang="en-US" b="1" dirty="0">
+                <a:latin typeface="メイリオ" panose="020B0604030504040204" pitchFamily="50" charset="-128"/>
+                <a:ea typeface="メイリオ" panose="020B0604030504040204" pitchFamily="50" charset="-128"/>
+              </a:rPr>
+              <a:t>利用マニュアル</a:t>
+            </a:r>
+            <a:r>
+              <a:rPr lang="ja-JP" altLang="en-US" dirty="0">
+                <a:latin typeface="メイリオ" panose="020B0604030504040204" pitchFamily="50" charset="-128"/>
+                <a:ea typeface="メイリオ" panose="020B0604030504040204" pitchFamily="50" charset="-128"/>
+              </a:rPr>
+              <a:t>」の章「</a:t>
+            </a:r>
+            <a:r>
+              <a:rPr lang="en-US" altLang="ja-JP" dirty="0">
+                <a:latin typeface="メイリオ" panose="020B0604030504040204" pitchFamily="50" charset="-128"/>
+                <a:ea typeface="メイリオ" panose="020B0604030504040204" pitchFamily="50" charset="-128"/>
+              </a:rPr>
+              <a:t>Zoom</a:t>
+            </a:r>
+            <a:r>
+              <a:rPr lang="ja-JP" altLang="en-US" dirty="0">
+                <a:latin typeface="メイリオ" panose="020B0604030504040204" pitchFamily="50" charset="-128"/>
+                <a:ea typeface="メイリオ" panose="020B0604030504040204" pitchFamily="50" charset="-128"/>
+              </a:rPr>
+              <a:t>アカウント名の変更方法」を参考に進めていただいて構いません。</a:t>
+            </a:r>
+            <a:endParaRPr lang="en-US" altLang="ja-JP" dirty="0">
+              <a:latin typeface="メイリオ" panose="020B0604030504040204" pitchFamily="50" charset="-128"/>
+              <a:ea typeface="メイリオ" panose="020B0604030504040204" pitchFamily="50" charset="-128"/>
+            </a:endParaRPr>
+          </a:p>
+          <a:p>
             <a:pPr marL="0" marR="0" lvl="0" indent="0" algn="l" defTabSz="914400" rtl="0" eaLnBrk="1" fontAlgn="auto" latinLnBrk="0" hangingPunct="1">
               <a:lnSpc>
                 <a:spcPct val="100000"/>
@@ -2145,54 +2185,24 @@
               <a:defRPr/>
             </a:pPr>
             <a:r>
+              <a:rPr kumimoji="1" lang="ja-JP" altLang="en-US" dirty="0"/>
+              <a:t>オンライン形式の会場は、</a:t>
+            </a:r>
+            <a:r>
               <a:rPr kumimoji="1" lang="en-US" altLang="ja-JP" dirty="0"/>
               <a:t>Zoom</a:t>
             </a:r>
             <a:r>
               <a:rPr kumimoji="1" lang="ja-JP" altLang="en-US" dirty="0"/>
-              <a:t>アカウントの修正を個人で進められる受講生は</a:t>
-            </a:r>
-            <a:r>
-              <a:rPr lang="ja-JP" altLang="en-US" dirty="0">
-                <a:latin typeface="メイリオ" panose="020B0604030504040204" pitchFamily="50" charset="-128"/>
-                <a:ea typeface="メイリオ" panose="020B0604030504040204" pitchFamily="50" charset="-128"/>
-              </a:rPr>
-              <a:t>「</a:t>
-            </a:r>
-            <a:r>
-              <a:rPr lang="en-US" altLang="ja-JP" b="1" dirty="0">
-                <a:latin typeface="メイリオ" panose="020B0604030504040204" pitchFamily="50" charset="-128"/>
-                <a:ea typeface="メイリオ" panose="020B0604030504040204" pitchFamily="50" charset="-128"/>
-              </a:rPr>
-              <a:t>Zoom</a:t>
-            </a:r>
-            <a:r>
-              <a:rPr lang="ja-JP" altLang="en-US" b="1" dirty="0">
-                <a:latin typeface="メイリオ" panose="020B0604030504040204" pitchFamily="50" charset="-128"/>
-                <a:ea typeface="メイリオ" panose="020B0604030504040204" pitchFamily="50" charset="-128"/>
-              </a:rPr>
-              <a:t>利用マニュアル</a:t>
-            </a:r>
-            <a:r>
-              <a:rPr lang="ja-JP" altLang="en-US" dirty="0">
-                <a:latin typeface="メイリオ" panose="020B0604030504040204" pitchFamily="50" charset="-128"/>
-                <a:ea typeface="メイリオ" panose="020B0604030504040204" pitchFamily="50" charset="-128"/>
-              </a:rPr>
-              <a:t>」の章「</a:t>
-            </a:r>
-            <a:r>
-              <a:rPr lang="en-US" altLang="ja-JP" dirty="0">
-                <a:latin typeface="メイリオ" panose="020B0604030504040204" pitchFamily="50" charset="-128"/>
-                <a:ea typeface="メイリオ" panose="020B0604030504040204" pitchFamily="50" charset="-128"/>
-              </a:rPr>
-              <a:t>Zoom</a:t>
-            </a:r>
-            <a:r>
-              <a:rPr lang="ja-JP" altLang="en-US" dirty="0">
-                <a:latin typeface="メイリオ" panose="020B0604030504040204" pitchFamily="50" charset="-128"/>
-                <a:ea typeface="メイリオ" panose="020B0604030504040204" pitchFamily="50" charset="-128"/>
-              </a:rPr>
-              <a:t>アカウント名の変更方法」を参考に進めていただいて構いません。</a:t>
+              <a:t>のチャット欄に</a:t>
+            </a:r>
+            <a:r>
+              <a:rPr kumimoji="1" lang="en-US" altLang="ja-JP" dirty="0"/>
+              <a:t>URL</a:t>
+            </a:r>
+            <a:r>
+              <a:rPr kumimoji="1" lang="ja-JP" altLang="en-US" dirty="0"/>
+              <a:t>を投稿してください。</a:t>
             </a:r>
             <a:endParaRPr kumimoji="1" lang="en-US" altLang="ja-JP" dirty="0"/>
           </a:p>
@@ -2244,7 +2254,7 @@
     </p:spTree>
     <p:extLst>
       <p:ext uri="{BB962C8B-B14F-4D97-AF65-F5344CB8AC3E}">
-        <p14:creationId xmlns:p14="http://schemas.microsoft.com/office/powerpoint/2010/main" val="3244370521"/>
+        <p14:creationId xmlns:p14="http://schemas.microsoft.com/office/powerpoint/2010/main" val="1374007022"/>
       </p:ext>
     </p:extLst>
   </p:cSld>
@@ -2298,6 +2308,23 @@
           <a:bodyPr/>
           <a:lstStyle/>
           <a:p>
+            <a:pPr marL="0" marR="0" lvl="0" indent="0" algn="l" defTabSz="914400" rtl="0" eaLnBrk="1" fontAlgn="auto" latinLnBrk="0" hangingPunct="1">
+              <a:lnSpc>
+                <a:spcPct val="100000"/>
+              </a:lnSpc>
+              <a:spcBef>
+                <a:spcPts val="0"/>
+              </a:spcBef>
+              <a:spcAft>
+                <a:spcPts val="0"/>
+              </a:spcAft>
+              <a:buClrTx/>
+              <a:buSzTx/>
+              <a:buFontTx/>
+              <a:buNone/>
+              <a:tabLst/>
+              <a:defRPr/>
+            </a:pPr>
             <a:r>
               <a:rPr kumimoji="1" lang="en-US" altLang="ja-JP" dirty="0"/>
               <a:t>Zoom</a:t>
@@ -2346,7 +2373,7 @@
                 <a:latin typeface="メイリオ" panose="020B0604030504040204" pitchFamily="50" charset="-128"/>
                 <a:ea typeface="メイリオ" panose="020B0604030504040204" pitchFamily="50" charset="-128"/>
               </a:rPr>
-              <a:t>アカウント名の変更方法」を参考に進めていただいて構いません</a:t>
+              <a:t>アカウント名の変更方法」を参考に進めていただいて構いません。</a:t>
             </a:r>
             <a:endParaRPr kumimoji="1" lang="en-US" altLang="ja-JP" dirty="0"/>
           </a:p>
@@ -2398,7 +2425,7 @@
     </p:spTree>
     <p:extLst>
       <p:ext uri="{BB962C8B-B14F-4D97-AF65-F5344CB8AC3E}">
-        <p14:creationId xmlns:p14="http://schemas.microsoft.com/office/powerpoint/2010/main" val="3550940971"/>
+        <p14:creationId xmlns:p14="http://schemas.microsoft.com/office/powerpoint/2010/main" val="3244370521"/>
       </p:ext>
     </p:extLst>
   </p:cSld>
@@ -2552,7 +2579,7 @@
     </p:spTree>
     <p:extLst>
       <p:ext uri="{BB962C8B-B14F-4D97-AF65-F5344CB8AC3E}">
-        <p14:creationId xmlns:p14="http://schemas.microsoft.com/office/powerpoint/2010/main" val="1967741484"/>
+        <p14:creationId xmlns:p14="http://schemas.microsoft.com/office/powerpoint/2010/main" val="3550940971"/>
       </p:ext>
     </p:extLst>
   </p:cSld>
@@ -2840,7 +2867,7 @@
     </p:spTree>
     <p:extLst>
       <p:ext uri="{BB962C8B-B14F-4D97-AF65-F5344CB8AC3E}">
-        <p14:creationId xmlns:p14="http://schemas.microsoft.com/office/powerpoint/2010/main" val="2936313734"/>
+        <p14:creationId xmlns:p14="http://schemas.microsoft.com/office/powerpoint/2010/main" val="1967741484"/>
       </p:ext>
     </p:extLst>
   </p:cSld>
@@ -2900,7 +2927,49 @@
             </a:r>
             <a:r>
               <a:rPr kumimoji="1" lang="ja-JP" altLang="en-US" dirty="0"/>
-              <a:t>スクリーンショットを撮影してください。</a:t>
+              <a:t>アカウントの修正を個人で進められる受講生は</a:t>
+            </a:r>
+            <a:r>
+              <a:rPr lang="ja-JP" altLang="en-US" dirty="0">
+                <a:latin typeface="メイリオ" panose="020B0604030504040204" pitchFamily="50" charset="-128"/>
+                <a:ea typeface="メイリオ" panose="020B0604030504040204" pitchFamily="50" charset="-128"/>
+              </a:rPr>
+              <a:t>「</a:t>
+            </a:r>
+            <a:r>
+              <a:rPr lang="en-US" altLang="ja-JP" b="1" dirty="0">
+                <a:latin typeface="メイリオ" panose="020B0604030504040204" pitchFamily="50" charset="-128"/>
+                <a:ea typeface="メイリオ" panose="020B0604030504040204" pitchFamily="50" charset="-128"/>
+              </a:rPr>
+              <a:t>Zoom</a:t>
+            </a:r>
+            <a:r>
+              <a:rPr lang="ja-JP" altLang="en-US" b="1" dirty="0">
+                <a:latin typeface="メイリオ" panose="020B0604030504040204" pitchFamily="50" charset="-128"/>
+                <a:ea typeface="メイリオ" panose="020B0604030504040204" pitchFamily="50" charset="-128"/>
+              </a:rPr>
+              <a:t>利用マニュアル</a:t>
+            </a:r>
+            <a:r>
+              <a:rPr lang="ja-JP" altLang="en-US" dirty="0">
+                <a:latin typeface="メイリオ" panose="020B0604030504040204" pitchFamily="50" charset="-128"/>
+                <a:ea typeface="メイリオ" panose="020B0604030504040204" pitchFamily="50" charset="-128"/>
+              </a:rPr>
+              <a:t>」の章「</a:t>
+            </a:r>
+            <a:r>
+              <a:rPr lang="en-US" altLang="ja-JP" dirty="0">
+                <a:latin typeface="メイリオ" panose="020B0604030504040204" pitchFamily="50" charset="-128"/>
+                <a:ea typeface="メイリオ" panose="020B0604030504040204" pitchFamily="50" charset="-128"/>
+              </a:rPr>
+              <a:t>Zoom</a:t>
+            </a:r>
+            <a:r>
+              <a:rPr lang="ja-JP" altLang="en-US" dirty="0">
+                <a:latin typeface="メイリオ" panose="020B0604030504040204" pitchFamily="50" charset="-128"/>
+                <a:ea typeface="メイリオ" panose="020B0604030504040204" pitchFamily="50" charset="-128"/>
+              </a:rPr>
+              <a:t>アカウント名の変更方法」を参考に進めていただいて構いません</a:t>
             </a:r>
             <a:endParaRPr kumimoji="1" lang="en-US" altLang="ja-JP" dirty="0"/>
           </a:p>
@@ -2952,7 +3021,7 @@
     </p:spTree>
     <p:extLst>
       <p:ext uri="{BB962C8B-B14F-4D97-AF65-F5344CB8AC3E}">
-        <p14:creationId xmlns:p14="http://schemas.microsoft.com/office/powerpoint/2010/main" val="3540631454"/>
+        <p14:creationId xmlns:p14="http://schemas.microsoft.com/office/powerpoint/2010/main" val="2936313734"/>
       </p:ext>
     </p:extLst>
   </p:cSld>
@@ -10889,7 +10958,7 @@
                 <a:latin typeface="Meiryo" panose="020B0604030504040204" pitchFamily="50" charset="-128"/>
                 <a:ea typeface="Meiryo" panose="020B0604030504040204" pitchFamily="50" charset="-128"/>
               </a:rPr>
-              <a:t>アカウントの修正</a:t>
+              <a:t>アカウント登録</a:t>
             </a:r>
             <a:endParaRPr lang="en-US" altLang="ja-JP" sz="3600" dirty="0">
               <a:solidFill>
@@ -10917,7 +10986,12 @@
             <p:ph idx="1"/>
           </p:nvPr>
         </p:nvSpPr>
-        <p:spPr/>
+        <p:spPr>
+          <a:xfrm>
+            <a:off x="838200" y="1825624"/>
+            <a:ext cx="6709012" cy="4829175"/>
+          </a:xfrm>
+        </p:spPr>
         <p:txBody>
           <a:bodyPr>
             <a:normAutofit/>
@@ -10925,45 +10999,6 @@
           <a:lstStyle/>
           <a:p>
             <a:r>
-              <a:rPr lang="ja-JP" altLang="en-US" dirty="0">
-                <a:latin typeface="メイリオ" panose="020B0604030504040204" pitchFamily="50" charset="-128"/>
-                <a:ea typeface="メイリオ" panose="020B0604030504040204" pitchFamily="50" charset="-128"/>
-              </a:rPr>
-              <a:t>サポーターから受講生番号が共有されます。</a:t>
-            </a:r>
-            <a:endParaRPr lang="en-US" altLang="ja-JP" dirty="0">
-              <a:latin typeface="メイリオ" panose="020B0604030504040204" pitchFamily="50" charset="-128"/>
-              <a:ea typeface="メイリオ" panose="020B0604030504040204" pitchFamily="50" charset="-128"/>
-            </a:endParaRPr>
-          </a:p>
-          <a:p>
-            <a:r>
-              <a:rPr lang="ja-JP" altLang="en-US" dirty="0">
-                <a:latin typeface="メイリオ" panose="020B0604030504040204" pitchFamily="50" charset="-128"/>
-                <a:ea typeface="メイリオ" panose="020B0604030504040204" pitchFamily="50" charset="-128"/>
-              </a:rPr>
-              <a:t>この後利用するため、手元にメモしておいてください。</a:t>
-            </a:r>
-            <a:endParaRPr lang="en-US" altLang="ja-JP" dirty="0">
-              <a:latin typeface="メイリオ" panose="020B0604030504040204" pitchFamily="50" charset="-128"/>
-              <a:ea typeface="メイリオ" panose="020B0604030504040204" pitchFamily="50" charset="-128"/>
-            </a:endParaRPr>
-          </a:p>
-          <a:p>
-            <a:endParaRPr lang="en-US" altLang="ja-JP" dirty="0">
-              <a:latin typeface="メイリオ" panose="020B0604030504040204" pitchFamily="50" charset="-128"/>
-              <a:ea typeface="メイリオ" panose="020B0604030504040204" pitchFamily="50" charset="-128"/>
-            </a:endParaRPr>
-          </a:p>
-          <a:p>
-            <a:r>
-              <a:rPr lang="ja-JP" altLang="en-US" dirty="0">
-                <a:latin typeface="メイリオ" panose="020B0604030504040204" pitchFamily="50" charset="-128"/>
-                <a:ea typeface="メイリオ" panose="020B0604030504040204" pitchFamily="50" charset="-128"/>
-              </a:rPr>
-              <a:t>集合研修の場合も成果報告会で</a:t>
-            </a:r>
-            <a:r>
               <a:rPr lang="en-US" altLang="ja-JP" dirty="0">
                 <a:latin typeface="メイリオ" panose="020B0604030504040204" pitchFamily="50" charset="-128"/>
                 <a:ea typeface="メイリオ" panose="020B0604030504040204" pitchFamily="50" charset="-128"/>
@@ -10975,26 +11010,27 @@
                 <a:latin typeface="メイリオ" panose="020B0604030504040204" pitchFamily="50" charset="-128"/>
                 <a:ea typeface="メイリオ" panose="020B0604030504040204" pitchFamily="50" charset="-128"/>
               </a:rPr>
-              <a:t>を利用するため、</a:t>
-            </a:r>
-            <a:endParaRPr lang="en-US" altLang="ja-JP" dirty="0">
-              <a:latin typeface="メイリオ" panose="020B0604030504040204" pitchFamily="50" charset="-128"/>
-              <a:ea typeface="メイリオ" panose="020B0604030504040204" pitchFamily="50" charset="-128"/>
-            </a:endParaRPr>
-          </a:p>
-          <a:p>
-            <a:r>
-              <a:rPr lang="ja-JP" altLang="en-US" dirty="0">
-                <a:latin typeface="メイリオ" panose="020B0604030504040204" pitchFamily="50" charset="-128"/>
-                <a:ea typeface="メイリオ" panose="020B0604030504040204" pitchFamily="50" charset="-128"/>
-              </a:rPr>
-              <a:t>「</a:t>
+              <a:t>疎通確認マニュアル</a:t>
             </a:r>
             <a:r>
               <a:rPr lang="en-US" altLang="ja-JP" dirty="0">
                 <a:latin typeface="メイリオ" panose="020B0604030504040204" pitchFamily="50" charset="-128"/>
                 <a:ea typeface="メイリオ" panose="020B0604030504040204" pitchFamily="50" charset="-128"/>
               </a:rPr>
+              <a:t>_1.3.pdf</a:t>
+            </a:r>
+            <a:r>
+              <a:rPr lang="ja-JP" altLang="en-US" dirty="0">
+                <a:latin typeface="メイリオ" panose="020B0604030504040204" pitchFamily="50" charset="-128"/>
+                <a:ea typeface="メイリオ" panose="020B0604030504040204" pitchFamily="50" charset="-128"/>
+              </a:rPr>
+              <a:t>を参照し</a:t>
+            </a:r>
+            <a:r>
+              <a:rPr lang="en-US" altLang="ja-JP" dirty="0">
+                <a:latin typeface="メイリオ" panose="020B0604030504040204" pitchFamily="50" charset="-128"/>
+                <a:ea typeface="メイリオ" panose="020B0604030504040204" pitchFamily="50" charset="-128"/>
+              </a:rPr>
               <a:t>Zoom</a:t>
             </a:r>
             <a:r>
@@ -11002,7 +11038,7 @@
                 <a:latin typeface="メイリオ" panose="020B0604030504040204" pitchFamily="50" charset="-128"/>
                 <a:ea typeface="メイリオ" panose="020B0604030504040204" pitchFamily="50" charset="-128"/>
               </a:rPr>
-              <a:t>アカウントの修正」は必ず実施してください。</a:t>
+              <a:t>アカウントを登録してください。</a:t>
             </a:r>
             <a:endParaRPr lang="en-US" altLang="ja-JP" dirty="0">
               <a:latin typeface="メイリオ" panose="020B0604030504040204" pitchFamily="50" charset="-128"/>
@@ -11076,7 +11112,7 @@
           <p:cNvPr id="5" name="スライド番号プレースホルダー 3">
             <a:extLst>
               <a:ext uri="{FF2B5EF4-FFF2-40B4-BE49-F238E27FC236}">
-                <a16:creationId xmlns:a16="http://schemas.microsoft.com/office/drawing/2014/main" id="{B7122219-40C9-EEA4-6AEC-3B1DDE6762E3}"/>
+                <a16:creationId xmlns:a16="http://schemas.microsoft.com/office/drawing/2014/main" id="{1DC0250A-5D15-D95B-2DA2-6901144B1192}"/>
               </a:ext>
             </a:extLst>
           </p:cNvPr>
@@ -11109,7 +11145,7 @@
     </p:spTree>
     <p:extLst>
       <p:ext uri="{BB962C8B-B14F-4D97-AF65-F5344CB8AC3E}">
-        <p14:creationId xmlns:p14="http://schemas.microsoft.com/office/powerpoint/2010/main" val="4035408655"/>
+        <p14:creationId xmlns:p14="http://schemas.microsoft.com/office/powerpoint/2010/main" val="3436495486"/>
       </p:ext>
     </p:extLst>
   </p:cSld>
@@ -11203,12 +11239,7 @@
             <p:ph idx="1"/>
           </p:nvPr>
         </p:nvSpPr>
-        <p:spPr>
-          <a:xfrm>
-            <a:off x="812800" y="1825625"/>
-            <a:ext cx="10541000" cy="4351338"/>
-          </a:xfrm>
-        </p:spPr>
+        <p:spPr/>
         <p:txBody>
           <a:bodyPr>
             <a:normAutofit/>
@@ -11220,35 +11251,7 @@
                 <a:latin typeface="メイリオ" panose="020B0604030504040204" pitchFamily="50" charset="-128"/>
                 <a:ea typeface="メイリオ" panose="020B0604030504040204" pitchFamily="50" charset="-128"/>
               </a:rPr>
-              <a:t>１．</a:t>
-            </a:r>
-            <a:r>
-              <a:rPr lang="en-US" altLang="ja-JP" dirty="0">
-                <a:latin typeface="メイリオ" panose="020B0604030504040204" pitchFamily="50" charset="-128"/>
-                <a:ea typeface="メイリオ" panose="020B0604030504040204" pitchFamily="50" charset="-128"/>
-              </a:rPr>
-              <a:t>Web</a:t>
-            </a:r>
-            <a:r>
-              <a:rPr lang="ja-JP" altLang="en-US" dirty="0">
-                <a:latin typeface="メイリオ" panose="020B0604030504040204" pitchFamily="50" charset="-128"/>
-                <a:ea typeface="メイリオ" panose="020B0604030504040204" pitchFamily="50" charset="-128"/>
-              </a:rPr>
-              <a:t>ブラウザを開き、</a:t>
-            </a:r>
-            <a:r>
-              <a:rPr lang="en-US" altLang="ja-JP" dirty="0">
-                <a:latin typeface="メイリオ" panose="020B0604030504040204" pitchFamily="50" charset="-128"/>
-                <a:ea typeface="メイリオ" panose="020B0604030504040204" pitchFamily="50" charset="-128"/>
-              </a:rPr>
-              <a:t>Zoom </a:t>
-            </a:r>
-            <a:r>
-              <a:rPr lang="ja-JP" altLang="en-US" dirty="0">
-                <a:latin typeface="メイリオ" panose="020B0604030504040204" pitchFamily="50" charset="-128"/>
-                <a:ea typeface="メイリオ" panose="020B0604030504040204" pitchFamily="50" charset="-128"/>
-              </a:rPr>
-              <a:t>公式サイトにアクセスする。</a:t>
+              <a:t>受講生番号</a:t>
             </a:r>
             <a:endParaRPr lang="en-US" altLang="ja-JP" dirty="0">
               <a:latin typeface="メイリオ" panose="020B0604030504040204" pitchFamily="50" charset="-128"/>
@@ -11256,65 +11259,47 @@
             </a:endParaRPr>
           </a:p>
           <a:p>
-            <a:pPr marL="857250" lvl="1" indent="-342900">
-              <a:buFont typeface="Arial" panose="020B0604020202020204" pitchFamily="34" charset="0"/>
-              <a:buChar char="•"/>
-            </a:pPr>
-            <a:r>
-              <a:rPr lang="ja-JP" altLang="en-US" dirty="0">
-                <a:latin typeface="メイリオ" panose="020B0604030504040204" pitchFamily="50" charset="-128"/>
-                <a:ea typeface="メイリオ" panose="020B0604030504040204" pitchFamily="50" charset="-128"/>
-              </a:rPr>
-              <a:t>「</a:t>
-            </a:r>
-            <a:r>
-              <a:rPr lang="en-US" altLang="ja-JP" b="1" dirty="0">
-                <a:latin typeface="メイリオ" panose="020B0604030504040204" pitchFamily="50" charset="-128"/>
-                <a:ea typeface="メイリオ" panose="020B0604030504040204" pitchFamily="50" charset="-128"/>
-              </a:rPr>
-              <a:t>Zoom</a:t>
-            </a:r>
-            <a:r>
-              <a:rPr lang="ja-JP" altLang="en-US" b="1" dirty="0">
-                <a:latin typeface="メイリオ" panose="020B0604030504040204" pitchFamily="50" charset="-128"/>
-                <a:ea typeface="メイリオ" panose="020B0604030504040204" pitchFamily="50" charset="-128"/>
-              </a:rPr>
-              <a:t>利用マニュアル</a:t>
-            </a:r>
-            <a:r>
-              <a:rPr lang="ja-JP" altLang="en-US" dirty="0">
-                <a:latin typeface="メイリオ" panose="020B0604030504040204" pitchFamily="50" charset="-128"/>
-                <a:ea typeface="メイリオ" panose="020B0604030504040204" pitchFamily="50" charset="-128"/>
-              </a:rPr>
-              <a:t>」の章「</a:t>
-            </a:r>
             <a:r>
               <a:rPr lang="en-US" altLang="ja-JP" dirty="0">
                 <a:latin typeface="メイリオ" panose="020B0604030504040204" pitchFamily="50" charset="-128"/>
                 <a:ea typeface="メイリオ" panose="020B0604030504040204" pitchFamily="50" charset="-128"/>
               </a:rPr>
-              <a:t>Zoom</a:t>
-            </a:r>
-            <a:r>
-              <a:rPr lang="ja-JP" altLang="en-US" dirty="0">
-                <a:latin typeface="メイリオ" panose="020B0604030504040204" pitchFamily="50" charset="-128"/>
-                <a:ea typeface="メイリオ" panose="020B0604030504040204" pitchFamily="50" charset="-128"/>
-              </a:rPr>
-              <a:t>アカウント名の変更方法」に同じ</a:t>
+              <a:t>01	</a:t>
+            </a:r>
+            <a:r>
+              <a:rPr lang="ja-JP" altLang="en-US" dirty="0">
+                <a:latin typeface="メイリオ" panose="020B0604030504040204" pitchFamily="50" charset="-128"/>
+                <a:ea typeface="メイリオ" panose="020B0604030504040204" pitchFamily="50" charset="-128"/>
+              </a:rPr>
+              <a:t>前田　恭佑　　　　</a:t>
             </a:r>
             <a:r>
               <a:rPr lang="en-US" altLang="ja-JP" dirty="0">
                 <a:latin typeface="メイリオ" panose="020B0604030504040204" pitchFamily="50" charset="-128"/>
                 <a:ea typeface="メイリオ" panose="020B0604030504040204" pitchFamily="50" charset="-128"/>
               </a:rPr>
-              <a:t>URL</a:t>
-            </a:r>
-            <a:r>
-              <a:rPr lang="ja-JP" altLang="en-US" dirty="0">
-                <a:latin typeface="メイリオ" panose="020B0604030504040204" pitchFamily="50" charset="-128"/>
-                <a:ea typeface="メイリオ" panose="020B0604030504040204" pitchFamily="50" charset="-128"/>
-              </a:rPr>
-              <a:t>の記載があります。</a:t>
+              <a:t>02	</a:t>
+            </a:r>
+            <a:r>
+              <a:rPr lang="ja-JP" altLang="en-US" dirty="0">
+                <a:latin typeface="メイリオ" panose="020B0604030504040204" pitchFamily="50" charset="-128"/>
+                <a:ea typeface="メイリオ" panose="020B0604030504040204" pitchFamily="50" charset="-128"/>
+              </a:rPr>
+              <a:t>立石　太郎　　　</a:t>
+            </a:r>
+            <a:r>
+              <a:rPr lang="en-US" altLang="ja-JP" dirty="0">
+                <a:latin typeface="メイリオ" panose="020B0604030504040204" pitchFamily="50" charset="-128"/>
+                <a:ea typeface="メイリオ" panose="020B0604030504040204" pitchFamily="50" charset="-128"/>
+              </a:rPr>
+              <a:t>03	</a:t>
+            </a:r>
+            <a:r>
+              <a:rPr lang="ja-JP" altLang="en-US" dirty="0">
+                <a:latin typeface="メイリオ" panose="020B0604030504040204" pitchFamily="50" charset="-128"/>
+                <a:ea typeface="メイリオ" panose="020B0604030504040204" pitchFamily="50" charset="-128"/>
+              </a:rPr>
+              <a:t>星川　紘輝</a:t>
             </a:r>
             <a:endParaRPr lang="en-US" altLang="ja-JP" dirty="0">
               <a:latin typeface="メイリオ" panose="020B0604030504040204" pitchFamily="50" charset="-128"/>
@@ -11322,23 +11307,348 @@
             </a:endParaRPr>
           </a:p>
           <a:p>
-            <a:pPr lvl="1" indent="0">
-              <a:buNone/>
-            </a:pPr>
-            <a:endParaRPr lang="en-US" altLang="ja-JP" dirty="0"/>
-          </a:p>
-          <a:p>
-            <a:r>
-              <a:rPr lang="en-US" altLang="ja-JP" sz="4400" dirty="0">
-                <a:solidFill>
-                  <a:srgbClr val="0070C0"/>
-                </a:solidFill>
-                <a:latin typeface="メイリオ" panose="020B0604030504040204" pitchFamily="50" charset="-128"/>
-                <a:ea typeface="メイリオ" panose="020B0604030504040204" pitchFamily="50" charset="-128"/>
-              </a:rPr>
-              <a:t>https://zoom.us/jp-jp/meetings.html</a:t>
-            </a:r>
-            <a:endParaRPr lang="en-US" altLang="ja-JP" sz="4400" dirty="0"/>
+            <a:r>
+              <a:rPr lang="en-US" altLang="ja-JP" dirty="0">
+                <a:latin typeface="メイリオ" panose="020B0604030504040204" pitchFamily="50" charset="-128"/>
+                <a:ea typeface="メイリオ" panose="020B0604030504040204" pitchFamily="50" charset="-128"/>
+              </a:rPr>
+              <a:t>04	</a:t>
+            </a:r>
+            <a:r>
+              <a:rPr lang="ja-JP" altLang="en-US" dirty="0">
+                <a:latin typeface="メイリオ" panose="020B0604030504040204" pitchFamily="50" charset="-128"/>
+                <a:ea typeface="メイリオ" panose="020B0604030504040204" pitchFamily="50" charset="-128"/>
+              </a:rPr>
+              <a:t>小野寺　恵太　　　</a:t>
+            </a:r>
+            <a:r>
+              <a:rPr lang="en-US" altLang="ja-JP" dirty="0">
+                <a:latin typeface="メイリオ" panose="020B0604030504040204" pitchFamily="50" charset="-128"/>
+                <a:ea typeface="メイリオ" panose="020B0604030504040204" pitchFamily="50" charset="-128"/>
+              </a:rPr>
+              <a:t>05	</a:t>
+            </a:r>
+            <a:r>
+              <a:rPr lang="ja-JP" altLang="en-US" dirty="0">
+                <a:latin typeface="メイリオ" panose="020B0604030504040204" pitchFamily="50" charset="-128"/>
+                <a:ea typeface="メイリオ" panose="020B0604030504040204" pitchFamily="50" charset="-128"/>
+              </a:rPr>
+              <a:t>松岡　詩依果　　</a:t>
+            </a:r>
+            <a:r>
+              <a:rPr lang="en-US" altLang="ja-JP" dirty="0">
+                <a:latin typeface="メイリオ" panose="020B0604030504040204" pitchFamily="50" charset="-128"/>
+                <a:ea typeface="メイリオ" panose="020B0604030504040204" pitchFamily="50" charset="-128"/>
+              </a:rPr>
+              <a:t>06	</a:t>
+            </a:r>
+            <a:r>
+              <a:rPr lang="ja-JP" altLang="en-US" dirty="0">
+                <a:latin typeface="メイリオ" panose="020B0604030504040204" pitchFamily="50" charset="-128"/>
+                <a:ea typeface="メイリオ" panose="020B0604030504040204" pitchFamily="50" charset="-128"/>
+              </a:rPr>
+              <a:t>齋藤　碧衣</a:t>
+            </a:r>
+          </a:p>
+          <a:p>
+            <a:r>
+              <a:rPr lang="en-US" altLang="ja-JP" dirty="0">
+                <a:latin typeface="メイリオ" panose="020B0604030504040204" pitchFamily="50" charset="-128"/>
+                <a:ea typeface="メイリオ" panose="020B0604030504040204" pitchFamily="50" charset="-128"/>
+              </a:rPr>
+              <a:t>07	</a:t>
+            </a:r>
+            <a:r>
+              <a:rPr lang="ja-JP" altLang="en-US" dirty="0">
+                <a:latin typeface="メイリオ" panose="020B0604030504040204" pitchFamily="50" charset="-128"/>
+                <a:ea typeface="メイリオ" panose="020B0604030504040204" pitchFamily="50" charset="-128"/>
+              </a:rPr>
+              <a:t>影山寿紀　　　　　</a:t>
+            </a:r>
+            <a:r>
+              <a:rPr lang="en-US" altLang="ja-JP" dirty="0">
+                <a:latin typeface="メイリオ" panose="020B0604030504040204" pitchFamily="50" charset="-128"/>
+                <a:ea typeface="メイリオ" panose="020B0604030504040204" pitchFamily="50" charset="-128"/>
+              </a:rPr>
+              <a:t>08	</a:t>
+            </a:r>
+            <a:r>
+              <a:rPr lang="ja-JP" altLang="en-US" dirty="0">
+                <a:latin typeface="メイリオ" panose="020B0604030504040204" pitchFamily="50" charset="-128"/>
+                <a:ea typeface="メイリオ" panose="020B0604030504040204" pitchFamily="50" charset="-128"/>
+              </a:rPr>
+              <a:t>山川穂乃果　　　</a:t>
+            </a:r>
+            <a:r>
+              <a:rPr lang="en-US" altLang="ja-JP" dirty="0">
+                <a:latin typeface="メイリオ" panose="020B0604030504040204" pitchFamily="50" charset="-128"/>
+                <a:ea typeface="メイリオ" panose="020B0604030504040204" pitchFamily="50" charset="-128"/>
+              </a:rPr>
+              <a:t>09	</a:t>
+            </a:r>
+            <a:r>
+              <a:rPr lang="ja-JP" altLang="en-US" dirty="0">
+                <a:latin typeface="メイリオ" panose="020B0604030504040204" pitchFamily="50" charset="-128"/>
+                <a:ea typeface="メイリオ" panose="020B0604030504040204" pitchFamily="50" charset="-128"/>
+              </a:rPr>
+              <a:t>渡部魁人　　　</a:t>
+            </a:r>
+            <a:endParaRPr lang="en-US" altLang="ja-JP" dirty="0">
+              <a:latin typeface="メイリオ" panose="020B0604030504040204" pitchFamily="50" charset="-128"/>
+              <a:ea typeface="メイリオ" panose="020B0604030504040204" pitchFamily="50" charset="-128"/>
+            </a:endParaRPr>
+          </a:p>
+          <a:p>
+            <a:r>
+              <a:rPr lang="en-US" altLang="ja-JP" dirty="0">
+                <a:latin typeface="メイリオ" panose="020B0604030504040204" pitchFamily="50" charset="-128"/>
+                <a:ea typeface="メイリオ" panose="020B0604030504040204" pitchFamily="50" charset="-128"/>
+              </a:rPr>
+              <a:t>10	</a:t>
+            </a:r>
+            <a:r>
+              <a:rPr lang="ja-JP" altLang="en-US" dirty="0">
+                <a:latin typeface="メイリオ" panose="020B0604030504040204" pitchFamily="50" charset="-128"/>
+                <a:ea typeface="メイリオ" panose="020B0604030504040204" pitchFamily="50" charset="-128"/>
+              </a:rPr>
+              <a:t>山本茉奈　　　　　</a:t>
+            </a:r>
+            <a:r>
+              <a:rPr lang="en-US" altLang="ja-JP" dirty="0">
+                <a:latin typeface="メイリオ" panose="020B0604030504040204" pitchFamily="50" charset="-128"/>
+                <a:ea typeface="メイリオ" panose="020B0604030504040204" pitchFamily="50" charset="-128"/>
+              </a:rPr>
+              <a:t>11	</a:t>
+            </a:r>
+            <a:r>
+              <a:rPr lang="ja-JP" altLang="en-US" dirty="0">
+                <a:latin typeface="メイリオ" panose="020B0604030504040204" pitchFamily="50" charset="-128"/>
+                <a:ea typeface="メイリオ" panose="020B0604030504040204" pitchFamily="50" charset="-128"/>
+              </a:rPr>
+              <a:t>菅原榛華　　　　</a:t>
+            </a:r>
+            <a:r>
+              <a:rPr lang="en-US" altLang="ja-JP" dirty="0">
+                <a:latin typeface="メイリオ" panose="020B0604030504040204" pitchFamily="50" charset="-128"/>
+                <a:ea typeface="メイリオ" panose="020B0604030504040204" pitchFamily="50" charset="-128"/>
+              </a:rPr>
+              <a:t>12	</a:t>
+            </a:r>
+            <a:r>
+              <a:rPr lang="ja-JP" altLang="en-US" dirty="0">
+                <a:latin typeface="メイリオ" panose="020B0604030504040204" pitchFamily="50" charset="-128"/>
+                <a:ea typeface="メイリオ" panose="020B0604030504040204" pitchFamily="50" charset="-128"/>
+              </a:rPr>
+              <a:t>矢和田航平</a:t>
+            </a:r>
+            <a:endParaRPr lang="en-US" altLang="ja-JP" dirty="0">
+              <a:latin typeface="メイリオ" panose="020B0604030504040204" pitchFamily="50" charset="-128"/>
+              <a:ea typeface="メイリオ" panose="020B0604030504040204" pitchFamily="50" charset="-128"/>
+            </a:endParaRPr>
+          </a:p>
+          <a:p>
+            <a:r>
+              <a:rPr lang="en-US" altLang="ja-JP" dirty="0">
+                <a:latin typeface="メイリオ" panose="020B0604030504040204" pitchFamily="50" charset="-128"/>
+                <a:ea typeface="メイリオ" panose="020B0604030504040204" pitchFamily="50" charset="-128"/>
+              </a:rPr>
+              <a:t>13	</a:t>
+            </a:r>
+            <a:r>
+              <a:rPr lang="ja-JP" altLang="en-US" dirty="0">
+                <a:latin typeface="メイリオ" panose="020B0604030504040204" pitchFamily="50" charset="-128"/>
+                <a:ea typeface="メイリオ" panose="020B0604030504040204" pitchFamily="50" charset="-128"/>
+              </a:rPr>
+              <a:t>八木 太尊　　　　  </a:t>
+            </a:r>
+            <a:r>
+              <a:rPr lang="en-US" altLang="ja-JP" dirty="0">
+                <a:latin typeface="メイリオ" panose="020B0604030504040204" pitchFamily="50" charset="-128"/>
+                <a:ea typeface="メイリオ" panose="020B0604030504040204" pitchFamily="50" charset="-128"/>
+              </a:rPr>
+              <a:t>14	</a:t>
+            </a:r>
+            <a:r>
+              <a:rPr lang="ja-JP" altLang="en-US" dirty="0">
+                <a:latin typeface="メイリオ" panose="020B0604030504040204" pitchFamily="50" charset="-128"/>
+                <a:ea typeface="メイリオ" panose="020B0604030504040204" pitchFamily="50" charset="-128"/>
+              </a:rPr>
+              <a:t>外川　晃平　　   </a:t>
+            </a:r>
+            <a:r>
+              <a:rPr lang="en-US" altLang="ja-JP" dirty="0">
+                <a:latin typeface="メイリオ" panose="020B0604030504040204" pitchFamily="50" charset="-128"/>
+                <a:ea typeface="メイリオ" panose="020B0604030504040204" pitchFamily="50" charset="-128"/>
+              </a:rPr>
+              <a:t>15	</a:t>
+            </a:r>
+            <a:r>
+              <a:rPr lang="ja-JP" altLang="en-US" dirty="0">
+                <a:latin typeface="メイリオ" panose="020B0604030504040204" pitchFamily="50" charset="-128"/>
+                <a:ea typeface="メイリオ" panose="020B0604030504040204" pitchFamily="50" charset="-128"/>
+              </a:rPr>
+              <a:t>中井　星旗　　</a:t>
+            </a:r>
+            <a:endParaRPr lang="en-US" altLang="ja-JP" dirty="0">
+              <a:latin typeface="メイリオ" panose="020B0604030504040204" pitchFamily="50" charset="-128"/>
+              <a:ea typeface="メイリオ" panose="020B0604030504040204" pitchFamily="50" charset="-128"/>
+            </a:endParaRPr>
+          </a:p>
+          <a:p>
+            <a:r>
+              <a:rPr lang="en-US" altLang="ja-JP" dirty="0">
+                <a:latin typeface="メイリオ" panose="020B0604030504040204" pitchFamily="50" charset="-128"/>
+                <a:ea typeface="メイリオ" panose="020B0604030504040204" pitchFamily="50" charset="-128"/>
+              </a:rPr>
+              <a:t>16	</a:t>
+            </a:r>
+            <a:r>
+              <a:rPr lang="ja-JP" altLang="en-US" dirty="0">
+                <a:latin typeface="メイリオ" panose="020B0604030504040204" pitchFamily="50" charset="-128"/>
+                <a:ea typeface="メイリオ" panose="020B0604030504040204" pitchFamily="50" charset="-128"/>
+              </a:rPr>
+              <a:t>仁科　宥哉            </a:t>
+            </a:r>
+            <a:r>
+              <a:rPr lang="en-US" altLang="ja-JP" dirty="0">
+                <a:latin typeface="メイリオ" panose="020B0604030504040204" pitchFamily="50" charset="-128"/>
+                <a:ea typeface="メイリオ" panose="020B0604030504040204" pitchFamily="50" charset="-128"/>
+              </a:rPr>
+              <a:t>17	</a:t>
+            </a:r>
+            <a:r>
+              <a:rPr lang="ja-JP" altLang="en-US" dirty="0">
+                <a:latin typeface="メイリオ" panose="020B0604030504040204" pitchFamily="50" charset="-128"/>
+                <a:ea typeface="メイリオ" panose="020B0604030504040204" pitchFamily="50" charset="-128"/>
+              </a:rPr>
+              <a:t>高橋恵悟　　　　</a:t>
+            </a:r>
+            <a:r>
+              <a:rPr lang="en-US" altLang="ja-JP" dirty="0">
+                <a:latin typeface="メイリオ" panose="020B0604030504040204" pitchFamily="50" charset="-128"/>
+                <a:ea typeface="メイリオ" panose="020B0604030504040204" pitchFamily="50" charset="-128"/>
+              </a:rPr>
+              <a:t>18	</a:t>
+            </a:r>
+            <a:r>
+              <a:rPr lang="ja-JP" altLang="en-US" dirty="0">
+                <a:latin typeface="メイリオ" panose="020B0604030504040204" pitchFamily="50" charset="-128"/>
+                <a:ea typeface="メイリオ" panose="020B0604030504040204" pitchFamily="50" charset="-128"/>
+              </a:rPr>
+              <a:t>大西稀斗　　　</a:t>
+            </a:r>
+            <a:endParaRPr lang="en-US" altLang="ja-JP" dirty="0">
+              <a:latin typeface="メイリオ" panose="020B0604030504040204" pitchFamily="50" charset="-128"/>
+              <a:ea typeface="メイリオ" panose="020B0604030504040204" pitchFamily="50" charset="-128"/>
+            </a:endParaRPr>
+          </a:p>
+          <a:p>
+            <a:r>
+              <a:rPr lang="en-US" altLang="ja-JP" dirty="0">
+                <a:latin typeface="メイリオ" panose="020B0604030504040204" pitchFamily="50" charset="-128"/>
+                <a:ea typeface="メイリオ" panose="020B0604030504040204" pitchFamily="50" charset="-128"/>
+              </a:rPr>
+              <a:t>19	</a:t>
+            </a:r>
+            <a:r>
+              <a:rPr lang="ja-JP" altLang="en-US" dirty="0">
+                <a:latin typeface="メイリオ" panose="020B0604030504040204" pitchFamily="50" charset="-128"/>
+                <a:ea typeface="メイリオ" panose="020B0604030504040204" pitchFamily="50" charset="-128"/>
+              </a:rPr>
+              <a:t>名古屋みなみ　　　</a:t>
+            </a:r>
+            <a:r>
+              <a:rPr lang="en-US" altLang="ja-JP" dirty="0">
+                <a:latin typeface="メイリオ" panose="020B0604030504040204" pitchFamily="50" charset="-128"/>
+                <a:ea typeface="メイリオ" panose="020B0604030504040204" pitchFamily="50" charset="-128"/>
+              </a:rPr>
+              <a:t>20	</a:t>
+            </a:r>
+            <a:r>
+              <a:rPr lang="ja-JP" altLang="en-US" dirty="0">
+                <a:latin typeface="メイリオ" panose="020B0604030504040204" pitchFamily="50" charset="-128"/>
+                <a:ea typeface="メイリオ" panose="020B0604030504040204" pitchFamily="50" charset="-128"/>
+              </a:rPr>
+              <a:t>後藤大翔            </a:t>
+            </a:r>
+            <a:r>
+              <a:rPr lang="en-US" altLang="ja-JP" dirty="0">
+                <a:latin typeface="メイリオ" panose="020B0604030504040204" pitchFamily="50" charset="-128"/>
+                <a:ea typeface="メイリオ" panose="020B0604030504040204" pitchFamily="50" charset="-128"/>
+              </a:rPr>
+              <a:t>21	</a:t>
+            </a:r>
+            <a:r>
+              <a:rPr lang="ja-JP" altLang="en-US" dirty="0">
+                <a:latin typeface="メイリオ" panose="020B0604030504040204" pitchFamily="50" charset="-128"/>
+                <a:ea typeface="メイリオ" panose="020B0604030504040204" pitchFamily="50" charset="-128"/>
+              </a:rPr>
+              <a:t>水野　優太　　　</a:t>
+            </a:r>
+            <a:r>
+              <a:rPr lang="en-US" altLang="ja-JP" dirty="0">
+                <a:latin typeface="メイリオ" panose="020B0604030504040204" pitchFamily="50" charset="-128"/>
+                <a:ea typeface="メイリオ" panose="020B0604030504040204" pitchFamily="50" charset="-128"/>
+              </a:rPr>
+              <a:t>22	</a:t>
+            </a:r>
+            <a:r>
+              <a:rPr lang="ja-JP" altLang="en-US" dirty="0">
+                <a:latin typeface="メイリオ" panose="020B0604030504040204" pitchFamily="50" charset="-128"/>
+                <a:ea typeface="メイリオ" panose="020B0604030504040204" pitchFamily="50" charset="-128"/>
+              </a:rPr>
+              <a:t>青木　稜　　　      </a:t>
+            </a:r>
+            <a:r>
+              <a:rPr lang="en-US" altLang="ja-JP" dirty="0">
+                <a:latin typeface="メイリオ" panose="020B0604030504040204" pitchFamily="50" charset="-128"/>
+                <a:ea typeface="メイリオ" panose="020B0604030504040204" pitchFamily="50" charset="-128"/>
+              </a:rPr>
+              <a:t>23	</a:t>
+            </a:r>
+            <a:r>
+              <a:rPr lang="ja-JP" altLang="en-US" dirty="0">
+                <a:latin typeface="メイリオ" panose="020B0604030504040204" pitchFamily="50" charset="-128"/>
+                <a:ea typeface="メイリオ" panose="020B0604030504040204" pitchFamily="50" charset="-128"/>
+              </a:rPr>
+              <a:t>長谷川　拓朗　　</a:t>
+            </a:r>
+            <a:r>
+              <a:rPr lang="en-US" altLang="ja-JP" dirty="0">
+                <a:latin typeface="メイリオ" panose="020B0604030504040204" pitchFamily="50" charset="-128"/>
+                <a:ea typeface="メイリオ" panose="020B0604030504040204" pitchFamily="50" charset="-128"/>
+              </a:rPr>
+              <a:t>24	</a:t>
+            </a:r>
+            <a:r>
+              <a:rPr lang="ja-JP" altLang="en-US" dirty="0">
+                <a:latin typeface="メイリオ" panose="020B0604030504040204" pitchFamily="50" charset="-128"/>
+                <a:ea typeface="メイリオ" panose="020B0604030504040204" pitchFamily="50" charset="-128"/>
+              </a:rPr>
+              <a:t>及川　颯偲</a:t>
+            </a:r>
+          </a:p>
+          <a:p>
+            <a:r>
+              <a:rPr lang="en-US" altLang="ja-JP" dirty="0">
+                <a:latin typeface="メイリオ" panose="020B0604030504040204" pitchFamily="50" charset="-128"/>
+                <a:ea typeface="メイリオ" panose="020B0604030504040204" pitchFamily="50" charset="-128"/>
+              </a:rPr>
+              <a:t>25	</a:t>
+            </a:r>
+            <a:r>
+              <a:rPr lang="ja-JP" altLang="en-US" dirty="0">
+                <a:latin typeface="メイリオ" panose="020B0604030504040204" pitchFamily="50" charset="-128"/>
+                <a:ea typeface="メイリオ" panose="020B0604030504040204" pitchFamily="50" charset="-128"/>
+              </a:rPr>
+              <a:t>富樫　亮太</a:t>
+            </a:r>
+          </a:p>
+          <a:p>
+            <a:endParaRPr lang="en-US" altLang="ja-JP" dirty="0">
+              <a:latin typeface="メイリオ" panose="020B0604030504040204" pitchFamily="50" charset="-128"/>
+              <a:ea typeface="メイリオ" panose="020B0604030504040204" pitchFamily="50" charset="-128"/>
+            </a:endParaRPr>
           </a:p>
           <a:p>
             <a:endParaRPr lang="en-US" altLang="ja-JP" dirty="0">
@@ -11446,7 +11756,7 @@
     </p:spTree>
     <p:extLst>
       <p:ext uri="{BB962C8B-B14F-4D97-AF65-F5344CB8AC3E}">
-        <p14:creationId xmlns:p14="http://schemas.microsoft.com/office/powerpoint/2010/main" val="950153362"/>
+        <p14:creationId xmlns:p14="http://schemas.microsoft.com/office/powerpoint/2010/main" val="4035408655"/>
       </p:ext>
     </p:extLst>
   </p:cSld>
@@ -11542,8 +11852,8 @@
         </p:nvSpPr>
         <p:spPr>
           <a:xfrm>
-            <a:off x="812799" y="1825625"/>
-            <a:ext cx="6898185" cy="4351338"/>
+            <a:off x="812800" y="1825625"/>
+            <a:ext cx="10541000" cy="4351338"/>
           </a:xfrm>
         </p:spPr>
         <p:txBody>
@@ -11557,86 +11867,125 @@
                 <a:latin typeface="メイリオ" panose="020B0604030504040204" pitchFamily="50" charset="-128"/>
                 <a:ea typeface="メイリオ" panose="020B0604030504040204" pitchFamily="50" charset="-128"/>
               </a:rPr>
-              <a:t>２．</a:t>
-            </a:r>
-            <a:r>
-              <a:rPr lang="ja-JP" altLang="en-US" dirty="0"/>
-              <a:t>画面右上の</a:t>
-            </a:r>
-            <a:r>
-              <a:rPr lang="en-US" altLang="ja-JP" dirty="0"/>
-              <a:t>[</a:t>
-            </a:r>
-            <a:r>
-              <a:rPr lang="ja-JP" altLang="en-US" dirty="0"/>
-              <a:t>サインイン</a:t>
-            </a:r>
-            <a:r>
-              <a:rPr lang="en-US" altLang="ja-JP" dirty="0"/>
-              <a:t>]</a:t>
-            </a:r>
-            <a:r>
-              <a:rPr lang="ja-JP" altLang="en-US" dirty="0"/>
-              <a:t>リンクを選択する。 </a:t>
-            </a:r>
-            <a:endParaRPr lang="en-US" altLang="ja-JP" dirty="0"/>
-          </a:p>
-          <a:p>
-            <a:endParaRPr lang="en-US" altLang="ja-JP" dirty="0"/>
-          </a:p>
-          <a:p>
-            <a:endParaRPr lang="en-US" altLang="ja-JP" dirty="0"/>
-          </a:p>
-          <a:p>
-            <a:endParaRPr lang="en-US" altLang="ja-JP" dirty="0"/>
-          </a:p>
-          <a:p>
-            <a:r>
-              <a:rPr lang="ja-JP" altLang="en-US" dirty="0"/>
-              <a:t>３．</a:t>
-            </a:r>
-            <a:r>
-              <a:rPr lang="en-US" altLang="ja-JP" dirty="0"/>
+              <a:t>１．</a:t>
+            </a:r>
+            <a:r>
+              <a:rPr lang="en-US" altLang="ja-JP" dirty="0">
+                <a:latin typeface="メイリオ" panose="020B0604030504040204" pitchFamily="50" charset="-128"/>
+                <a:ea typeface="メイリオ" panose="020B0604030504040204" pitchFamily="50" charset="-128"/>
+              </a:rPr>
+              <a:t>Web</a:t>
+            </a:r>
+            <a:r>
+              <a:rPr lang="ja-JP" altLang="en-US" dirty="0">
+                <a:latin typeface="メイリオ" panose="020B0604030504040204" pitchFamily="50" charset="-128"/>
+                <a:ea typeface="メイリオ" panose="020B0604030504040204" pitchFamily="50" charset="-128"/>
+              </a:rPr>
+              <a:t>ブラウザを開き、</a:t>
+            </a:r>
+            <a:r>
+              <a:rPr lang="en-US" altLang="ja-JP" dirty="0">
+                <a:latin typeface="メイリオ" panose="020B0604030504040204" pitchFamily="50" charset="-128"/>
+                <a:ea typeface="メイリオ" panose="020B0604030504040204" pitchFamily="50" charset="-128"/>
+              </a:rPr>
+              <a:t>Zoom </a:t>
+            </a:r>
+            <a:r>
+              <a:rPr lang="ja-JP" altLang="en-US" dirty="0">
+                <a:latin typeface="メイリオ" panose="020B0604030504040204" pitchFamily="50" charset="-128"/>
+                <a:ea typeface="メイリオ" panose="020B0604030504040204" pitchFamily="50" charset="-128"/>
+              </a:rPr>
+              <a:t>公式サイトにアクセスする。</a:t>
+            </a:r>
+            <a:endParaRPr lang="en-US" altLang="ja-JP" dirty="0">
+              <a:latin typeface="メイリオ" panose="020B0604030504040204" pitchFamily="50" charset="-128"/>
+              <a:ea typeface="メイリオ" panose="020B0604030504040204" pitchFamily="50" charset="-128"/>
+            </a:endParaRPr>
+          </a:p>
+          <a:p>
+            <a:pPr marL="857250" lvl="1" indent="-342900">
+              <a:buFont typeface="Arial" panose="020B0604020202020204" pitchFamily="34" charset="0"/>
+              <a:buChar char="•"/>
+            </a:pPr>
+            <a:r>
+              <a:rPr lang="ja-JP" altLang="en-US" dirty="0">
+                <a:latin typeface="メイリオ" panose="020B0604030504040204" pitchFamily="50" charset="-128"/>
+                <a:ea typeface="メイリオ" panose="020B0604030504040204" pitchFamily="50" charset="-128"/>
+              </a:rPr>
+              <a:t>「</a:t>
+            </a:r>
+            <a:r>
+              <a:rPr lang="en-US" altLang="ja-JP" b="1" dirty="0">
+                <a:latin typeface="メイリオ" panose="020B0604030504040204" pitchFamily="50" charset="-128"/>
+                <a:ea typeface="メイリオ" panose="020B0604030504040204" pitchFamily="50" charset="-128"/>
+              </a:rPr>
               <a:t>Zoom</a:t>
             </a:r>
             <a:r>
-              <a:rPr lang="ja-JP" altLang="en-US" dirty="0"/>
-              <a:t>アカウント登録時に設定した</a:t>
-            </a:r>
-            <a:endParaRPr lang="en-US" altLang="ja-JP" dirty="0"/>
-          </a:p>
-          <a:p>
-            <a:r>
-              <a:rPr lang="en-US" altLang="ja-JP" dirty="0"/>
-              <a:t>	</a:t>
-            </a:r>
-            <a:r>
-              <a:rPr lang="ja-JP" altLang="en-US" dirty="0"/>
-              <a:t>メールアドレスとパスワードを入力して、</a:t>
-            </a:r>
-            <a:endParaRPr lang="en-US" altLang="ja-JP" dirty="0"/>
-          </a:p>
-          <a:p>
-            <a:pPr marL="685800" lvl="2" indent="0">
+              <a:rPr lang="ja-JP" altLang="en-US" b="1" dirty="0">
+                <a:latin typeface="メイリオ" panose="020B0604030504040204" pitchFamily="50" charset="-128"/>
+                <a:ea typeface="メイリオ" panose="020B0604030504040204" pitchFamily="50" charset="-128"/>
+              </a:rPr>
+              <a:t>利用マニュアル</a:t>
+            </a:r>
+            <a:r>
+              <a:rPr lang="ja-JP" altLang="en-US" dirty="0">
+                <a:latin typeface="メイリオ" panose="020B0604030504040204" pitchFamily="50" charset="-128"/>
+                <a:ea typeface="メイリオ" panose="020B0604030504040204" pitchFamily="50" charset="-128"/>
+              </a:rPr>
+              <a:t>」の章「</a:t>
+            </a:r>
+            <a:r>
+              <a:rPr lang="en-US" altLang="ja-JP" dirty="0">
+                <a:latin typeface="メイリオ" panose="020B0604030504040204" pitchFamily="50" charset="-128"/>
+                <a:ea typeface="メイリオ" panose="020B0604030504040204" pitchFamily="50" charset="-128"/>
+              </a:rPr>
+              <a:t>Zoom</a:t>
+            </a:r>
+            <a:r>
+              <a:rPr lang="ja-JP" altLang="en-US" dirty="0">
+                <a:latin typeface="メイリオ" panose="020B0604030504040204" pitchFamily="50" charset="-128"/>
+                <a:ea typeface="メイリオ" panose="020B0604030504040204" pitchFamily="50" charset="-128"/>
+              </a:rPr>
+              <a:t>アカウント名の変更方法」に同じ</a:t>
+            </a:r>
+            <a:r>
+              <a:rPr lang="en-US" altLang="ja-JP" dirty="0">
+                <a:latin typeface="メイリオ" panose="020B0604030504040204" pitchFamily="50" charset="-128"/>
+                <a:ea typeface="メイリオ" panose="020B0604030504040204" pitchFamily="50" charset="-128"/>
+              </a:rPr>
+              <a:t>URL</a:t>
+            </a:r>
+            <a:r>
+              <a:rPr lang="ja-JP" altLang="en-US" dirty="0">
+                <a:latin typeface="メイリオ" panose="020B0604030504040204" pitchFamily="50" charset="-128"/>
+                <a:ea typeface="メイリオ" panose="020B0604030504040204" pitchFamily="50" charset="-128"/>
+              </a:rPr>
+              <a:t>の記載があります。</a:t>
+            </a:r>
+            <a:endParaRPr lang="en-US" altLang="ja-JP" dirty="0">
+              <a:latin typeface="メイリオ" panose="020B0604030504040204" pitchFamily="50" charset="-128"/>
+              <a:ea typeface="メイリオ" panose="020B0604030504040204" pitchFamily="50" charset="-128"/>
+            </a:endParaRPr>
+          </a:p>
+          <a:p>
+            <a:pPr lvl="1" indent="0">
               <a:buNone/>
             </a:pPr>
-            <a:r>
-              <a:rPr lang="en-US" altLang="ja-JP" dirty="0"/>
-              <a:t>[</a:t>
-            </a:r>
-            <a:r>
-              <a:rPr lang="ja-JP" altLang="en-US" dirty="0"/>
-              <a:t>サインイン</a:t>
-            </a:r>
-            <a:r>
-              <a:rPr lang="en-US" altLang="ja-JP" dirty="0"/>
-              <a:t>]</a:t>
-            </a:r>
-            <a:r>
-              <a:rPr lang="ja-JP" altLang="en-US" dirty="0"/>
-              <a:t>ボタンを押下する。</a:t>
-            </a:r>
             <a:endParaRPr lang="en-US" altLang="ja-JP" dirty="0"/>
+          </a:p>
+          <a:p>
+            <a:r>
+              <a:rPr lang="en-US" altLang="ja-JP" sz="4400" dirty="0">
+                <a:solidFill>
+                  <a:srgbClr val="0070C0"/>
+                </a:solidFill>
+                <a:latin typeface="メイリオ" panose="020B0604030504040204" pitchFamily="50" charset="-128"/>
+                <a:ea typeface="メイリオ" panose="020B0604030504040204" pitchFamily="50" charset="-128"/>
+              </a:rPr>
+              <a:t>https://zoom.us/jp-jp/meetings.html</a:t>
+            </a:r>
+            <a:endParaRPr lang="en-US" altLang="ja-JP" sz="4400" dirty="0"/>
           </a:p>
           <a:p>
             <a:endParaRPr lang="en-US" altLang="ja-JP" dirty="0">
@@ -11736,6 +12085,304 @@
               <a:rPr kumimoji="1" lang="ja-JP" altLang="en-US" smtClean="0"/>
               <a:pPr/>
               <a:t>17</a:t>
+            </a:fld>
+            <a:endParaRPr kumimoji="1" lang="ja-JP" altLang="en-US" dirty="0"/>
+          </a:p>
+        </p:txBody>
+      </p:sp>
+    </p:spTree>
+    <p:extLst>
+      <p:ext uri="{BB962C8B-B14F-4D97-AF65-F5344CB8AC3E}">
+        <p14:creationId xmlns:p14="http://schemas.microsoft.com/office/powerpoint/2010/main" val="950153362"/>
+      </p:ext>
+    </p:extLst>
+  </p:cSld>
+  <p:clrMapOvr>
+    <a:masterClrMapping/>
+  </p:clrMapOvr>
+</p:sld>
+</file>
+
+<file path=ppt/slides/slide18.xml><?xml version="1.0" encoding="utf-8"?>
+<p:sld xmlns:a="http://schemas.openxmlformats.org/drawingml/2006/main" xmlns:r="http://schemas.openxmlformats.org/officeDocument/2006/relationships" xmlns:p="http://schemas.openxmlformats.org/presentationml/2006/main">
+  <p:cSld>
+    <p:spTree>
+      <p:nvGrpSpPr>
+        <p:cNvPr id="1" name=""/>
+        <p:cNvGrpSpPr/>
+        <p:nvPr/>
+      </p:nvGrpSpPr>
+      <p:grpSpPr>
+        <a:xfrm>
+          <a:off x="0" y="0"/>
+          <a:ext cx="0" cy="0"/>
+          <a:chOff x="0" y="0"/>
+          <a:chExt cx="0" cy="0"/>
+        </a:xfrm>
+      </p:grpSpPr>
+      <p:sp>
+        <p:nvSpPr>
+          <p:cNvPr id="2" name="タイトル 1">
+            <a:extLst>
+              <a:ext uri="{FF2B5EF4-FFF2-40B4-BE49-F238E27FC236}">
+                <a16:creationId xmlns:a16="http://schemas.microsoft.com/office/drawing/2014/main" id="{8417C546-2F47-45F8-D20C-DD63540ECB0F}"/>
+              </a:ext>
+            </a:extLst>
+          </p:cNvPr>
+          <p:cNvSpPr>
+            <a:spLocks noGrp="1"/>
+          </p:cNvSpPr>
+          <p:nvPr>
+            <p:ph type="title"/>
+          </p:nvPr>
+        </p:nvSpPr>
+        <p:spPr/>
+        <p:txBody>
+          <a:bodyPr/>
+          <a:lstStyle/>
+          <a:p>
+            <a:r>
+              <a:rPr lang="en-US" altLang="ja-JP" sz="3600" dirty="0">
+                <a:solidFill>
+                  <a:srgbClr val="000000"/>
+                </a:solidFill>
+                <a:latin typeface="Meiryo" panose="020B0604030504040204" pitchFamily="50" charset="-128"/>
+                <a:ea typeface="Meiryo" panose="020B0604030504040204" pitchFamily="50" charset="-128"/>
+              </a:rPr>
+              <a:t>Zoom</a:t>
+            </a:r>
+            <a:r>
+              <a:rPr lang="ja-JP" altLang="en-US" sz="3600" dirty="0">
+                <a:solidFill>
+                  <a:srgbClr val="000000"/>
+                </a:solidFill>
+                <a:latin typeface="Meiryo" panose="020B0604030504040204" pitchFamily="50" charset="-128"/>
+                <a:ea typeface="Meiryo" panose="020B0604030504040204" pitchFamily="50" charset="-128"/>
+              </a:rPr>
+              <a:t>アカウントの修正</a:t>
+            </a:r>
+            <a:endParaRPr lang="en-US" altLang="ja-JP" sz="3600" dirty="0">
+              <a:solidFill>
+                <a:srgbClr val="000000"/>
+              </a:solidFill>
+              <a:latin typeface="Meiryo" panose="020B0604030504040204" pitchFamily="50" charset="-128"/>
+              <a:ea typeface="Meiryo" panose="020B0604030504040204" pitchFamily="50" charset="-128"/>
+            </a:endParaRPr>
+          </a:p>
+        </p:txBody>
+      </p:sp>
+      <p:sp>
+        <p:nvSpPr>
+          <p:cNvPr id="3" name="コンテンツ プレースホルダー 2">
+            <a:extLst>
+              <a:ext uri="{FF2B5EF4-FFF2-40B4-BE49-F238E27FC236}">
+                <a16:creationId xmlns:a16="http://schemas.microsoft.com/office/drawing/2014/main" id="{0BB313C9-2E8C-ADD0-02EC-C0FCEB5B771A}"/>
+              </a:ext>
+            </a:extLst>
+          </p:cNvPr>
+          <p:cNvSpPr>
+            <a:spLocks noGrp="1"/>
+          </p:cNvSpPr>
+          <p:nvPr>
+            <p:ph idx="1"/>
+          </p:nvPr>
+        </p:nvSpPr>
+        <p:spPr>
+          <a:xfrm>
+            <a:off x="812799" y="1825625"/>
+            <a:ext cx="6898185" cy="4351338"/>
+          </a:xfrm>
+        </p:spPr>
+        <p:txBody>
+          <a:bodyPr>
+            <a:normAutofit/>
+          </a:bodyPr>
+          <a:lstStyle/>
+          <a:p>
+            <a:r>
+              <a:rPr lang="ja-JP" altLang="en-US" dirty="0">
+                <a:latin typeface="メイリオ" panose="020B0604030504040204" pitchFamily="50" charset="-128"/>
+                <a:ea typeface="メイリオ" panose="020B0604030504040204" pitchFamily="50" charset="-128"/>
+              </a:rPr>
+              <a:t>２．</a:t>
+            </a:r>
+            <a:r>
+              <a:rPr lang="ja-JP" altLang="en-US" dirty="0"/>
+              <a:t>画面右上の</a:t>
+            </a:r>
+            <a:r>
+              <a:rPr lang="en-US" altLang="ja-JP" dirty="0"/>
+              <a:t>[</a:t>
+            </a:r>
+            <a:r>
+              <a:rPr lang="ja-JP" altLang="en-US" dirty="0"/>
+              <a:t>サインイン</a:t>
+            </a:r>
+            <a:r>
+              <a:rPr lang="en-US" altLang="ja-JP" dirty="0"/>
+              <a:t>]</a:t>
+            </a:r>
+            <a:r>
+              <a:rPr lang="ja-JP" altLang="en-US" dirty="0"/>
+              <a:t>リンクを選択する。 </a:t>
+            </a:r>
+            <a:endParaRPr lang="en-US" altLang="ja-JP" dirty="0"/>
+          </a:p>
+          <a:p>
+            <a:endParaRPr lang="en-US" altLang="ja-JP" dirty="0"/>
+          </a:p>
+          <a:p>
+            <a:endParaRPr lang="en-US" altLang="ja-JP" dirty="0"/>
+          </a:p>
+          <a:p>
+            <a:endParaRPr lang="en-US" altLang="ja-JP" dirty="0"/>
+          </a:p>
+          <a:p>
+            <a:r>
+              <a:rPr lang="ja-JP" altLang="en-US" dirty="0"/>
+              <a:t>３．</a:t>
+            </a:r>
+            <a:r>
+              <a:rPr lang="en-US" altLang="ja-JP" dirty="0"/>
+              <a:t>Zoom</a:t>
+            </a:r>
+            <a:r>
+              <a:rPr lang="ja-JP" altLang="en-US" dirty="0"/>
+              <a:t>アカウント登録時に設定した</a:t>
+            </a:r>
+            <a:endParaRPr lang="en-US" altLang="ja-JP" dirty="0"/>
+          </a:p>
+          <a:p>
+            <a:r>
+              <a:rPr lang="en-US" altLang="ja-JP" dirty="0"/>
+              <a:t>	</a:t>
+            </a:r>
+            <a:r>
+              <a:rPr lang="ja-JP" altLang="en-US" dirty="0"/>
+              <a:t>メールアドレスとパスワードを入力して、</a:t>
+            </a:r>
+            <a:endParaRPr lang="en-US" altLang="ja-JP" dirty="0"/>
+          </a:p>
+          <a:p>
+            <a:pPr marL="685800" lvl="2" indent="0">
+              <a:buNone/>
+            </a:pPr>
+            <a:r>
+              <a:rPr lang="en-US" altLang="ja-JP" dirty="0"/>
+              <a:t>[</a:t>
+            </a:r>
+            <a:r>
+              <a:rPr lang="ja-JP" altLang="en-US" dirty="0"/>
+              <a:t>サインイン</a:t>
+            </a:r>
+            <a:r>
+              <a:rPr lang="en-US" altLang="ja-JP" dirty="0"/>
+              <a:t>]</a:t>
+            </a:r>
+            <a:r>
+              <a:rPr lang="ja-JP" altLang="en-US" dirty="0"/>
+              <a:t>ボタンを押下する。</a:t>
+            </a:r>
+            <a:endParaRPr lang="en-US" altLang="ja-JP" dirty="0"/>
+          </a:p>
+          <a:p>
+            <a:endParaRPr lang="en-US" altLang="ja-JP" dirty="0">
+              <a:latin typeface="メイリオ" panose="020B0604030504040204" pitchFamily="50" charset="-128"/>
+              <a:ea typeface="メイリオ" panose="020B0604030504040204" pitchFamily="50" charset="-128"/>
+            </a:endParaRPr>
+          </a:p>
+        </p:txBody>
+      </p:sp>
+      <p:sp>
+        <p:nvSpPr>
+          <p:cNvPr id="4" name="正方形/長方形 3">
+            <a:extLst>
+              <a:ext uri="{FF2B5EF4-FFF2-40B4-BE49-F238E27FC236}">
+                <a16:creationId xmlns:a16="http://schemas.microsoft.com/office/drawing/2014/main" id="{72324284-C8F0-C679-26C9-88B3CFD60C18}"/>
+              </a:ext>
+            </a:extLst>
+          </p:cNvPr>
+          <p:cNvSpPr/>
+          <p:nvPr/>
+        </p:nvSpPr>
+        <p:spPr>
+          <a:xfrm>
+            <a:off x="848413" y="85981"/>
+            <a:ext cx="3261674" cy="365125"/>
+          </a:xfrm>
+          <a:prstGeom prst="rect">
+            <a:avLst/>
+          </a:prstGeom>
+          <a:solidFill>
+            <a:schemeClr val="bg1"/>
+          </a:solidFill>
+          <a:ln>
+            <a:solidFill>
+              <a:schemeClr val="bg1"/>
+            </a:solidFill>
+          </a:ln>
+        </p:spPr>
+        <p:style>
+          <a:lnRef idx="2">
+            <a:schemeClr val="accent1">
+              <a:shade val="50000"/>
+            </a:schemeClr>
+          </a:lnRef>
+          <a:fillRef idx="1">
+            <a:schemeClr val="accent1"/>
+          </a:fillRef>
+          <a:effectRef idx="0">
+            <a:schemeClr val="accent1"/>
+          </a:effectRef>
+          <a:fontRef idx="minor">
+            <a:schemeClr val="lt1"/>
+          </a:fontRef>
+        </p:style>
+        <p:txBody>
+          <a:bodyPr rtlCol="0" anchor="ctr"/>
+          <a:lstStyle/>
+          <a:p>
+            <a:r>
+              <a:rPr kumimoji="1" lang="ja-JP" altLang="en-US" sz="2000" dirty="0">
+                <a:solidFill>
+                  <a:schemeClr val="tx1"/>
+                </a:solidFill>
+              </a:rPr>
+              <a:t>研修ガイダンス</a:t>
+            </a:r>
+          </a:p>
+        </p:txBody>
+      </p:sp>
+      <p:sp>
+        <p:nvSpPr>
+          <p:cNvPr id="5" name="スライド番号プレースホルダー 3">
+            <a:extLst>
+              <a:ext uri="{FF2B5EF4-FFF2-40B4-BE49-F238E27FC236}">
+                <a16:creationId xmlns:a16="http://schemas.microsoft.com/office/drawing/2014/main" id="{B7122219-40C9-EEA4-6AEC-3B1DDE6762E3}"/>
+              </a:ext>
+            </a:extLst>
+          </p:cNvPr>
+          <p:cNvSpPr>
+            <a:spLocks noGrp="1"/>
+          </p:cNvSpPr>
+          <p:nvPr>
+            <p:ph type="sldNum" sz="quarter" idx="12"/>
+          </p:nvPr>
+        </p:nvSpPr>
+        <p:spPr>
+          <a:xfrm>
+            <a:off x="93184" y="6454029"/>
+            <a:ext cx="2743200" cy="365125"/>
+          </a:xfrm>
+        </p:spPr>
+        <p:txBody>
+          <a:bodyPr/>
+          <a:lstStyle/>
+          <a:p>
+            <a:fld id="{D4DE910D-69DC-EA44-B504-FB462E4F2411}" type="slidenum">
+              <a:rPr kumimoji="1" lang="ja-JP" altLang="en-US" smtClean="0"/>
+              <a:pPr/>
+              <a:t>18</a:t>
             </a:fld>
             <a:endParaRPr kumimoji="1" lang="ja-JP" altLang="en-US" dirty="0"/>
           </a:p>
@@ -11820,7 +12467,7 @@
 </p:sld>
 </file>
 
-<file path=ppt/slides/slide18.xml><?xml version="1.0" encoding="utf-8"?>
+<file path=ppt/slides/slide19.xml><?xml version="1.0" encoding="utf-8"?>
 <p:sld xmlns:a="http://schemas.openxmlformats.org/drawingml/2006/main" xmlns:r="http://schemas.openxmlformats.org/officeDocument/2006/relationships" xmlns:p="http://schemas.openxmlformats.org/presentationml/2006/main">
   <p:cSld>
     <p:spTree>
@@ -12159,7 +12806,7 @@
             <a:fld id="{D4DE910D-69DC-EA44-B504-FB462E4F2411}" type="slidenum">
               <a:rPr kumimoji="1" lang="ja-JP" altLang="en-US" smtClean="0"/>
               <a:pPr/>
-              <a:t>18</a:t>
+              <a:t>19</a:t>
             </a:fld>
             <a:endParaRPr kumimoji="1" lang="ja-JP" altLang="en-US" dirty="0"/>
           </a:p>
@@ -12237,7 +12884,7 @@
 </p:sld>
 </file>
 
-<file path=ppt/slides/slide19.xml><?xml version="1.0" encoding="utf-8"?>
+<file path=ppt/slides/slide2.xml><?xml version="1.0" encoding="utf-8"?>
 <p:sld xmlns:a="http://schemas.openxmlformats.org/drawingml/2006/main" xmlns:r="http://schemas.openxmlformats.org/officeDocument/2006/relationships" xmlns:p="http://schemas.openxmlformats.org/presentationml/2006/main">
   <p:cSld>
     <p:spTree>
@@ -12276,32 +12923,9 @@
           <a:lstStyle/>
           <a:p>
             <a:r>
-              <a:rPr lang="en-US" altLang="ja-JP" sz="3600" dirty="0">
-                <a:solidFill>
-                  <a:srgbClr val="000000"/>
-                </a:solidFill>
-                <a:latin typeface="Meiryo" panose="020B0604030504040204" pitchFamily="50" charset="-128"/>
-                <a:ea typeface="Meiryo" panose="020B0604030504040204" pitchFamily="50" charset="-128"/>
-              </a:rPr>
-              <a:t>Zoom</a:t>
-            </a:r>
-            <a:r>
-              <a:rPr lang="ja-JP" altLang="en-US" sz="3600" dirty="0">
-                <a:solidFill>
-                  <a:srgbClr val="000000"/>
-                </a:solidFill>
-                <a:latin typeface="Meiryo" panose="020B0604030504040204" pitchFamily="50" charset="-128"/>
-                <a:ea typeface="Meiryo" panose="020B0604030504040204" pitchFamily="50" charset="-128"/>
-              </a:rPr>
-              <a:t>アカウントの修正</a:t>
-            </a:r>
-            <a:endParaRPr lang="en-US" altLang="ja-JP" sz="3600" dirty="0">
-              <a:solidFill>
-                <a:srgbClr val="000000"/>
-              </a:solidFill>
-              <a:latin typeface="Meiryo" panose="020B0604030504040204" pitchFamily="50" charset="-128"/>
-              <a:ea typeface="Meiryo" panose="020B0604030504040204" pitchFamily="50" charset="-128"/>
-            </a:endParaRPr>
+              <a:rPr kumimoji="1" lang="ja-JP" altLang="en-US" dirty="0"/>
+              <a:t>目次</a:t>
+            </a:r>
           </a:p>
         </p:txBody>
       </p:sp>
@@ -12321,165 +12945,307 @@
             <p:ph idx="1"/>
           </p:nvPr>
         </p:nvSpPr>
-        <p:spPr>
-          <a:xfrm>
-            <a:off x="812799" y="1825625"/>
-            <a:ext cx="6129367" cy="4834482"/>
-          </a:xfrm>
-        </p:spPr>
+        <p:spPr/>
         <p:txBody>
           <a:bodyPr>
             <a:normAutofit/>
           </a:bodyPr>
           <a:lstStyle/>
           <a:p>
-            <a:r>
-              <a:rPr lang="ja-JP" altLang="en-US" dirty="0">
-                <a:latin typeface="メイリオ" panose="020B0604030504040204" pitchFamily="50" charset="-128"/>
-                <a:ea typeface="メイリオ" panose="020B0604030504040204" pitchFamily="50" charset="-128"/>
-              </a:rPr>
-              <a:t>６．</a:t>
-            </a:r>
-            <a:r>
-              <a:rPr lang="ja-JP" altLang="en-US" dirty="0"/>
-              <a:t> </a:t>
-            </a:r>
-            <a:r>
-              <a:rPr lang="en-US" altLang="ja-JP" dirty="0"/>
-              <a:t>[</a:t>
-            </a:r>
-            <a:r>
-              <a:rPr lang="ja-JP" altLang="en-US" dirty="0"/>
-              <a:t>名</a:t>
-            </a:r>
-            <a:r>
-              <a:rPr lang="en-US" altLang="ja-JP" dirty="0"/>
-              <a:t>]</a:t>
-            </a:r>
-            <a:r>
-              <a:rPr lang="ja-JP" altLang="en-US" dirty="0"/>
-              <a:t>欄，</a:t>
-            </a:r>
-            <a:r>
-              <a:rPr lang="en-US" altLang="ja-JP" dirty="0"/>
-              <a:t>[</a:t>
-            </a:r>
-            <a:r>
-              <a:rPr lang="ja-JP" altLang="en-US" dirty="0"/>
-              <a:t>姓</a:t>
-            </a:r>
-            <a:r>
-              <a:rPr lang="en-US" altLang="ja-JP" dirty="0"/>
-              <a:t>]</a:t>
-            </a:r>
-            <a:r>
-              <a:rPr lang="ja-JP" altLang="en-US" dirty="0"/>
-              <a:t>欄、</a:t>
-            </a:r>
-            <a:r>
-              <a:rPr lang="en-US" altLang="ja-JP" dirty="0"/>
-              <a:t>[</a:t>
-            </a:r>
-            <a:r>
-              <a:rPr lang="ja-JP" altLang="en-US" dirty="0"/>
-              <a:t>表示名</a:t>
-            </a:r>
-            <a:r>
-              <a:rPr lang="en-US" altLang="ja-JP" dirty="0"/>
-              <a:t>]</a:t>
-            </a:r>
-            <a:r>
-              <a:rPr lang="ja-JP" altLang="en-US" dirty="0"/>
-              <a:t>欄以外の</a:t>
-            </a:r>
-            <a:r>
-              <a:rPr lang="en-US" altLang="ja-JP" dirty="0"/>
-              <a:t>	</a:t>
-            </a:r>
-            <a:r>
-              <a:rPr lang="ja-JP" altLang="en-US" dirty="0"/>
-              <a:t>欄が入力済みの場合は該当する欄の</a:t>
-            </a:r>
-            <a:endParaRPr lang="en-US" altLang="ja-JP" dirty="0"/>
-          </a:p>
-          <a:p>
-            <a:r>
-              <a:rPr lang="en-US" altLang="ja-JP" dirty="0"/>
-              <a:t>	</a:t>
-            </a:r>
-            <a:r>
-              <a:rPr lang="ja-JP" altLang="en-US" dirty="0"/>
-              <a:t>内容を削除する。</a:t>
-            </a:r>
-            <a:endParaRPr lang="en-US" altLang="ja-JP" dirty="0"/>
-          </a:p>
-          <a:p>
-            <a:endParaRPr lang="en-US" altLang="ja-JP" dirty="0"/>
-          </a:p>
-          <a:p>
-            <a:r>
-              <a:rPr lang="ja-JP" altLang="en-US" dirty="0"/>
-              <a:t>７．画面をスクロールして、</a:t>
-            </a:r>
-            <a:endParaRPr lang="en-US" altLang="ja-JP" dirty="0"/>
-          </a:p>
-          <a:p>
-            <a:r>
-              <a:rPr lang="en-US" altLang="ja-JP" dirty="0"/>
-              <a:t>	[</a:t>
-            </a:r>
-            <a:r>
-              <a:rPr lang="ja-JP" altLang="en-US" dirty="0"/>
-              <a:t>変更を保存</a:t>
-            </a:r>
-            <a:r>
-              <a:rPr lang="en-US" altLang="ja-JP" dirty="0"/>
-              <a:t>]</a:t>
-            </a:r>
-            <a:r>
-              <a:rPr lang="ja-JP" altLang="en-US" dirty="0"/>
-              <a:t>ボタンを押す。</a:t>
-            </a:r>
-            <a:endParaRPr lang="en-US" altLang="ja-JP" dirty="0"/>
-          </a:p>
-          <a:p>
+            <a:pPr marL="457200" indent="-457200">
+              <a:buFont typeface="+mj-lt"/>
+              <a:buAutoNum type="arabicPeriod"/>
+            </a:pPr>
+            <a:r>
+              <a:rPr lang="en-US" altLang="ja-JP" b="0" i="0" dirty="0">
+                <a:solidFill>
+                  <a:srgbClr val="000000"/>
+                </a:solidFill>
+                <a:effectLst/>
+                <a:latin typeface="Meiryo" panose="020B0604030504040204" pitchFamily="50" charset="-128"/>
+                <a:ea typeface="Meiryo" panose="020B0604030504040204" pitchFamily="50" charset="-128"/>
+              </a:rPr>
+              <a:t>LMS</a:t>
+            </a:r>
+            <a:r>
+              <a:rPr lang="ja-JP" altLang="en-US" b="0" i="0" dirty="0">
+                <a:solidFill>
+                  <a:srgbClr val="000000"/>
+                </a:solidFill>
+                <a:effectLst/>
+                <a:latin typeface="Meiryo" panose="020B0604030504040204" pitchFamily="50" charset="-128"/>
+                <a:ea typeface="Meiryo" panose="020B0604030504040204" pitchFamily="50" charset="-128"/>
+              </a:rPr>
+              <a:t>ログイン</a:t>
+            </a:r>
+            <a:endParaRPr lang="en-US" altLang="ja-JP" b="0" i="0" dirty="0">
+              <a:solidFill>
+                <a:srgbClr val="000000"/>
+              </a:solidFill>
+              <a:effectLst/>
+              <a:latin typeface="Meiryo" panose="020B0604030504040204" pitchFamily="50" charset="-128"/>
+              <a:ea typeface="Meiryo" panose="020B0604030504040204" pitchFamily="50" charset="-128"/>
+            </a:endParaRPr>
+          </a:p>
+          <a:p>
+            <a:pPr marL="457200" indent="-457200">
+              <a:buFont typeface="+mj-lt"/>
+              <a:buAutoNum type="arabicPeriod"/>
+            </a:pPr>
+            <a:r>
+              <a:rPr lang="ja-JP" altLang="en-US" b="0" i="0" dirty="0">
+                <a:solidFill>
+                  <a:srgbClr val="000000"/>
+                </a:solidFill>
+                <a:effectLst/>
+                <a:latin typeface="Meiryo" panose="020B0604030504040204" pitchFamily="50" charset="-128"/>
+                <a:ea typeface="Meiryo" panose="020B0604030504040204" pitchFamily="50" charset="-128"/>
+              </a:rPr>
+              <a:t>勤怠入力</a:t>
+            </a:r>
+            <a:endParaRPr lang="en-US" altLang="ja-JP" b="0" i="0" dirty="0">
+              <a:solidFill>
+                <a:srgbClr val="000000"/>
+              </a:solidFill>
+              <a:effectLst/>
+              <a:latin typeface="Meiryo" panose="020B0604030504040204" pitchFamily="50" charset="-128"/>
+              <a:ea typeface="Meiryo" panose="020B0604030504040204" pitchFamily="50" charset="-128"/>
+            </a:endParaRPr>
+          </a:p>
+          <a:p>
+            <a:pPr marL="457200" indent="-457200">
+              <a:buFont typeface="+mj-lt"/>
+              <a:buAutoNum type="arabicPeriod"/>
+            </a:pPr>
+            <a:r>
+              <a:rPr lang="en-US" altLang="ja-JP" b="0" i="0" dirty="0">
+                <a:solidFill>
+                  <a:srgbClr val="000000"/>
+                </a:solidFill>
+                <a:effectLst/>
+                <a:latin typeface="Meiryo" panose="020B0604030504040204" pitchFamily="50" charset="-128"/>
+                <a:ea typeface="Meiryo" panose="020B0604030504040204" pitchFamily="50" charset="-128"/>
+              </a:rPr>
+              <a:t>Google</a:t>
+            </a:r>
+            <a:r>
+              <a:rPr lang="ja-JP" altLang="en-US" b="0" i="0" dirty="0">
+                <a:solidFill>
+                  <a:srgbClr val="000000"/>
+                </a:solidFill>
+                <a:effectLst/>
+                <a:latin typeface="Meiryo" panose="020B0604030504040204" pitchFamily="50" charset="-128"/>
+                <a:ea typeface="Meiryo" panose="020B0604030504040204" pitchFamily="50" charset="-128"/>
+              </a:rPr>
+              <a:t>アカウント登録</a:t>
+            </a:r>
+            <a:endParaRPr lang="en-US" altLang="ja-JP" b="0" i="0" dirty="0">
+              <a:solidFill>
+                <a:srgbClr val="000000"/>
+              </a:solidFill>
+              <a:effectLst/>
+              <a:latin typeface="Meiryo" panose="020B0604030504040204" pitchFamily="50" charset="-128"/>
+              <a:ea typeface="Meiryo" panose="020B0604030504040204" pitchFamily="50" charset="-128"/>
+            </a:endParaRPr>
+          </a:p>
+          <a:p>
+            <a:pPr marL="457200" indent="-457200">
+              <a:buFont typeface="+mj-lt"/>
+              <a:buAutoNum type="arabicPeriod"/>
+            </a:pPr>
+            <a:r>
+              <a:rPr lang="en-US" altLang="ja-JP" b="0" i="0" dirty="0">
+                <a:solidFill>
+                  <a:srgbClr val="000000"/>
+                </a:solidFill>
+                <a:effectLst/>
+                <a:latin typeface="Meiryo" panose="020B0604030504040204" pitchFamily="50" charset="-128"/>
+                <a:ea typeface="Meiryo" panose="020B0604030504040204" pitchFamily="50" charset="-128"/>
+              </a:rPr>
+              <a:t>Zoom</a:t>
+            </a:r>
+            <a:r>
+              <a:rPr lang="ja-JP" altLang="en-US" b="0" i="0" dirty="0">
+                <a:solidFill>
+                  <a:srgbClr val="000000"/>
+                </a:solidFill>
+                <a:effectLst/>
+                <a:latin typeface="Meiryo" panose="020B0604030504040204" pitchFamily="50" charset="-128"/>
+                <a:ea typeface="Meiryo" panose="020B0604030504040204" pitchFamily="50" charset="-128"/>
+              </a:rPr>
+              <a:t>アカウントの登録</a:t>
+            </a:r>
+            <a:endParaRPr lang="en-US" altLang="ja-JP" b="0" i="0" dirty="0">
+              <a:solidFill>
+                <a:srgbClr val="000000"/>
+              </a:solidFill>
+              <a:effectLst/>
+              <a:latin typeface="Meiryo" panose="020B0604030504040204" pitchFamily="50" charset="-128"/>
+              <a:ea typeface="Meiryo" panose="020B0604030504040204" pitchFamily="50" charset="-128"/>
+            </a:endParaRPr>
+          </a:p>
+          <a:p>
+            <a:pPr marL="457200" indent="-457200">
+              <a:buFont typeface="+mj-lt"/>
+              <a:buAutoNum type="arabicPeriod"/>
+            </a:pPr>
+            <a:r>
+              <a:rPr lang="en-US" altLang="ja-JP" b="0" i="0" dirty="0">
+                <a:solidFill>
+                  <a:srgbClr val="000000"/>
+                </a:solidFill>
+                <a:effectLst/>
+                <a:latin typeface="Meiryo" panose="020B0604030504040204" pitchFamily="50" charset="-128"/>
+                <a:ea typeface="Meiryo" panose="020B0604030504040204" pitchFamily="50" charset="-128"/>
+              </a:rPr>
+              <a:t>Zoom</a:t>
+            </a:r>
+            <a:r>
+              <a:rPr lang="ja-JP" altLang="en-US" b="0" i="0" dirty="0">
+                <a:solidFill>
+                  <a:srgbClr val="000000"/>
+                </a:solidFill>
+                <a:effectLst/>
+                <a:latin typeface="Meiryo" panose="020B0604030504040204" pitchFamily="50" charset="-128"/>
+                <a:ea typeface="Meiryo" panose="020B0604030504040204" pitchFamily="50" charset="-128"/>
+              </a:rPr>
+              <a:t>アカウントの修正</a:t>
+            </a:r>
+            <a:endParaRPr lang="en-US" altLang="ja-JP" b="0" i="0" dirty="0">
+              <a:solidFill>
+                <a:srgbClr val="000000"/>
+              </a:solidFill>
+              <a:effectLst/>
+              <a:latin typeface="Meiryo" panose="020B0604030504040204" pitchFamily="50" charset="-128"/>
+              <a:ea typeface="Meiryo" panose="020B0604030504040204" pitchFamily="50" charset="-128"/>
+            </a:endParaRPr>
+          </a:p>
+          <a:p>
+            <a:pPr marL="457200" indent="-457200">
+              <a:buFont typeface="+mj-lt"/>
+              <a:buAutoNum type="arabicPeriod"/>
+            </a:pPr>
+            <a:r>
+              <a:rPr lang="en-US" altLang="ja-JP" b="0" i="0" dirty="0">
+                <a:solidFill>
+                  <a:srgbClr val="000000"/>
+                </a:solidFill>
+                <a:effectLst/>
+                <a:latin typeface="Meiryo" panose="020B0604030504040204" pitchFamily="50" charset="-128"/>
+                <a:ea typeface="Meiryo" panose="020B0604030504040204" pitchFamily="50" charset="-128"/>
+              </a:rPr>
+              <a:t>PC</a:t>
+            </a:r>
+            <a:r>
+              <a:rPr lang="ja-JP" altLang="en-US" b="0" i="0" dirty="0">
+                <a:solidFill>
+                  <a:srgbClr val="000000"/>
+                </a:solidFill>
+                <a:effectLst/>
+                <a:latin typeface="Meiryo" panose="020B0604030504040204" pitchFamily="50" charset="-128"/>
+                <a:ea typeface="Meiryo" panose="020B0604030504040204" pitchFamily="50" charset="-128"/>
+              </a:rPr>
+              <a:t>セットアップ</a:t>
+            </a:r>
+            <a:endParaRPr lang="en-US" altLang="ja-JP" b="0" i="0" dirty="0">
+              <a:solidFill>
+                <a:srgbClr val="000000"/>
+              </a:solidFill>
+              <a:effectLst/>
+              <a:latin typeface="Meiryo" panose="020B0604030504040204" pitchFamily="50" charset="-128"/>
+              <a:ea typeface="Meiryo" panose="020B0604030504040204" pitchFamily="50" charset="-128"/>
+            </a:endParaRPr>
+          </a:p>
+          <a:p>
+            <a:pPr marL="457200" indent="-457200">
+              <a:buFont typeface="+mj-lt"/>
+              <a:buAutoNum type="arabicPeriod"/>
+            </a:pPr>
+            <a:r>
+              <a:rPr lang="ja-JP" altLang="en-US" dirty="0">
+                <a:solidFill>
+                  <a:srgbClr val="000000"/>
+                </a:solidFill>
+                <a:latin typeface="Meiryo" panose="020B0604030504040204" pitchFamily="50" charset="-128"/>
+                <a:ea typeface="Meiryo" panose="020B0604030504040204" pitchFamily="50" charset="-128"/>
+              </a:rPr>
+              <a:t>研修規約の確認</a:t>
+            </a:r>
             <a:endParaRPr lang="en-US" altLang="ja-JP" dirty="0">
-              <a:latin typeface="メイリオ" panose="020B0604030504040204" pitchFamily="50" charset="-128"/>
-              <a:ea typeface="メイリオ" panose="020B0604030504040204" pitchFamily="50" charset="-128"/>
+              <a:solidFill>
+                <a:srgbClr val="000000"/>
+              </a:solidFill>
+              <a:latin typeface="Meiryo" panose="020B0604030504040204" pitchFamily="50" charset="-128"/>
+              <a:ea typeface="Meiryo" panose="020B0604030504040204" pitchFamily="50" charset="-128"/>
             </a:endParaRPr>
           </a:p>
           <a:p>
-            <a:endParaRPr lang="en-US" altLang="ja-JP" dirty="0">
-              <a:latin typeface="メイリオ" panose="020B0604030504040204" pitchFamily="50" charset="-128"/>
-              <a:ea typeface="メイリオ" panose="020B0604030504040204" pitchFamily="50" charset="-128"/>
-            </a:endParaRPr>
-          </a:p>
-          <a:p>
-            <a:r>
-              <a:rPr lang="ja-JP" altLang="en-US" dirty="0">
-                <a:latin typeface="メイリオ" panose="020B0604030504040204" pitchFamily="50" charset="-128"/>
-                <a:ea typeface="メイリオ" panose="020B0604030504040204" pitchFamily="50" charset="-128"/>
-              </a:rPr>
-              <a:t>８．</a:t>
-            </a:r>
-            <a:r>
-              <a:rPr lang="ja-JP" altLang="en-US" dirty="0"/>
-              <a:t>アカウント名が変更後の内容に</a:t>
-            </a:r>
-            <a:endParaRPr lang="en-US" altLang="ja-JP" dirty="0"/>
-          </a:p>
-          <a:p>
-            <a:r>
-              <a:rPr lang="en-US" altLang="ja-JP" dirty="0"/>
-              <a:t>	</a:t>
-            </a:r>
-            <a:r>
-              <a:rPr lang="ja-JP" altLang="en-US" dirty="0"/>
-              <a:t>反映されていることを確認する。 </a:t>
-            </a:r>
-            <a:endParaRPr lang="en-US" altLang="ja-JP" dirty="0">
-              <a:latin typeface="メイリオ" panose="020B0604030504040204" pitchFamily="50" charset="-128"/>
-              <a:ea typeface="メイリオ" panose="020B0604030504040204" pitchFamily="50" charset="-128"/>
+            <a:pPr marL="457200" indent="-457200">
+              <a:buFont typeface="+mj-lt"/>
+              <a:buAutoNum type="arabicPeriod"/>
+            </a:pPr>
+            <a:r>
+              <a:rPr lang="ja-JP" altLang="en-US" b="0" i="0" dirty="0">
+                <a:solidFill>
+                  <a:srgbClr val="000000"/>
+                </a:solidFill>
+                <a:effectLst/>
+                <a:latin typeface="Meiryo" panose="020B0604030504040204" pitchFamily="50" charset="-128"/>
+                <a:ea typeface="Meiryo" panose="020B0604030504040204" pitchFamily="50" charset="-128"/>
+              </a:rPr>
+              <a:t>日報の作成　</a:t>
+            </a:r>
+            <a:r>
+              <a:rPr lang="en-US" altLang="ja-JP" b="0" i="0" dirty="0">
+                <a:solidFill>
+                  <a:srgbClr val="000000"/>
+                </a:solidFill>
+                <a:effectLst/>
+                <a:latin typeface="Meiryo" panose="020B0604030504040204" pitchFamily="50" charset="-128"/>
+                <a:ea typeface="Meiryo" panose="020B0604030504040204" pitchFamily="50" charset="-128"/>
+              </a:rPr>
+              <a:t>※17</a:t>
+            </a:r>
+            <a:r>
+              <a:rPr lang="ja-JP" altLang="en-US" b="0" i="0" dirty="0">
+                <a:solidFill>
+                  <a:srgbClr val="000000"/>
+                </a:solidFill>
+                <a:effectLst/>
+                <a:latin typeface="Meiryo" panose="020B0604030504040204" pitchFamily="50" charset="-128"/>
+                <a:ea typeface="Meiryo" panose="020B0604030504040204" pitchFamily="50" charset="-128"/>
+              </a:rPr>
+              <a:t>時</a:t>
+            </a:r>
+            <a:r>
+              <a:rPr lang="en-US" altLang="ja-JP" b="0" i="0" dirty="0">
+                <a:solidFill>
+                  <a:srgbClr val="000000"/>
+                </a:solidFill>
+                <a:effectLst/>
+                <a:latin typeface="Meiryo" panose="020B0604030504040204" pitchFamily="50" charset="-128"/>
+                <a:ea typeface="Meiryo" panose="020B0604030504040204" pitchFamily="50" charset="-128"/>
+              </a:rPr>
+              <a:t>30</a:t>
+            </a:r>
+            <a:r>
+              <a:rPr lang="ja-JP" altLang="en-US" b="0" i="0" dirty="0">
+                <a:solidFill>
+                  <a:srgbClr val="000000"/>
+                </a:solidFill>
+                <a:effectLst/>
+                <a:latin typeface="Meiryo" panose="020B0604030504040204" pitchFamily="50" charset="-128"/>
+                <a:ea typeface="Meiryo" panose="020B0604030504040204" pitchFamily="50" charset="-128"/>
+              </a:rPr>
+              <a:t>分ごろに説明します。</a:t>
+            </a:r>
+            <a:endParaRPr lang="en-US" altLang="ja-JP" b="0" i="0" dirty="0">
+              <a:solidFill>
+                <a:srgbClr val="000000"/>
+              </a:solidFill>
+              <a:effectLst/>
+              <a:latin typeface="Meiryo" panose="020B0604030504040204" pitchFamily="50" charset="-128"/>
+              <a:ea typeface="Meiryo" panose="020B0604030504040204" pitchFamily="50" charset="-128"/>
             </a:endParaRPr>
           </a:p>
         </p:txBody>
@@ -12549,7 +13315,7 @@
           <p:cNvPr id="5" name="スライド番号プレースホルダー 3">
             <a:extLst>
               <a:ext uri="{FF2B5EF4-FFF2-40B4-BE49-F238E27FC236}">
-                <a16:creationId xmlns:a16="http://schemas.microsoft.com/office/drawing/2014/main" id="{B7122219-40C9-EEA4-6AEC-3B1DDE6762E3}"/>
+                <a16:creationId xmlns:a16="http://schemas.microsoft.com/office/drawing/2014/main" id="{4CCFDB64-A8BB-7155-CAFF-567690A0EEDF}"/>
               </a:ext>
             </a:extLst>
           </p:cNvPr>
@@ -12573,7 +13339,362 @@
             <a:fld id="{D4DE910D-69DC-EA44-B504-FB462E4F2411}" type="slidenum">
               <a:rPr kumimoji="1" lang="ja-JP" altLang="en-US" smtClean="0"/>
               <a:pPr/>
-              <a:t>19</a:t>
+              <a:t>2</a:t>
+            </a:fld>
+            <a:endParaRPr kumimoji="1" lang="ja-JP" altLang="en-US" dirty="0"/>
+          </a:p>
+        </p:txBody>
+      </p:sp>
+    </p:spTree>
+    <p:extLst>
+      <p:ext uri="{BB962C8B-B14F-4D97-AF65-F5344CB8AC3E}">
+        <p14:creationId xmlns:p14="http://schemas.microsoft.com/office/powerpoint/2010/main" val="3910797268"/>
+      </p:ext>
+    </p:extLst>
+  </p:cSld>
+  <p:clrMapOvr>
+    <a:masterClrMapping/>
+  </p:clrMapOvr>
+</p:sld>
+</file>
+
+<file path=ppt/slides/slide20.xml><?xml version="1.0" encoding="utf-8"?>
+<p:sld xmlns:a="http://schemas.openxmlformats.org/drawingml/2006/main" xmlns:r="http://schemas.openxmlformats.org/officeDocument/2006/relationships" xmlns:p="http://schemas.openxmlformats.org/presentationml/2006/main">
+  <p:cSld>
+    <p:spTree>
+      <p:nvGrpSpPr>
+        <p:cNvPr id="1" name=""/>
+        <p:cNvGrpSpPr/>
+        <p:nvPr/>
+      </p:nvGrpSpPr>
+      <p:grpSpPr>
+        <a:xfrm>
+          <a:off x="0" y="0"/>
+          <a:ext cx="0" cy="0"/>
+          <a:chOff x="0" y="0"/>
+          <a:chExt cx="0" cy="0"/>
+        </a:xfrm>
+      </p:grpSpPr>
+      <p:sp>
+        <p:nvSpPr>
+          <p:cNvPr id="2" name="タイトル 1">
+            <a:extLst>
+              <a:ext uri="{FF2B5EF4-FFF2-40B4-BE49-F238E27FC236}">
+                <a16:creationId xmlns:a16="http://schemas.microsoft.com/office/drawing/2014/main" id="{8417C546-2F47-45F8-D20C-DD63540ECB0F}"/>
+              </a:ext>
+            </a:extLst>
+          </p:cNvPr>
+          <p:cNvSpPr>
+            <a:spLocks noGrp="1"/>
+          </p:cNvSpPr>
+          <p:nvPr>
+            <p:ph type="title"/>
+          </p:nvPr>
+        </p:nvSpPr>
+        <p:spPr/>
+        <p:txBody>
+          <a:bodyPr/>
+          <a:lstStyle/>
+          <a:p>
+            <a:r>
+              <a:rPr lang="en-US" altLang="ja-JP" sz="3600" dirty="0">
+                <a:solidFill>
+                  <a:srgbClr val="000000"/>
+                </a:solidFill>
+                <a:latin typeface="Meiryo" panose="020B0604030504040204" pitchFamily="50" charset="-128"/>
+                <a:ea typeface="Meiryo" panose="020B0604030504040204" pitchFamily="50" charset="-128"/>
+              </a:rPr>
+              <a:t>Zoom</a:t>
+            </a:r>
+            <a:r>
+              <a:rPr lang="ja-JP" altLang="en-US" sz="3600" dirty="0">
+                <a:solidFill>
+                  <a:srgbClr val="000000"/>
+                </a:solidFill>
+                <a:latin typeface="Meiryo" panose="020B0604030504040204" pitchFamily="50" charset="-128"/>
+                <a:ea typeface="Meiryo" panose="020B0604030504040204" pitchFamily="50" charset="-128"/>
+              </a:rPr>
+              <a:t>アカウントの修正</a:t>
+            </a:r>
+            <a:endParaRPr lang="en-US" altLang="ja-JP" sz="3600" dirty="0">
+              <a:solidFill>
+                <a:srgbClr val="000000"/>
+              </a:solidFill>
+              <a:latin typeface="Meiryo" panose="020B0604030504040204" pitchFamily="50" charset="-128"/>
+              <a:ea typeface="Meiryo" panose="020B0604030504040204" pitchFamily="50" charset="-128"/>
+            </a:endParaRPr>
+          </a:p>
+        </p:txBody>
+      </p:sp>
+      <p:sp>
+        <p:nvSpPr>
+          <p:cNvPr id="3" name="コンテンツ プレースホルダー 2">
+            <a:extLst>
+              <a:ext uri="{FF2B5EF4-FFF2-40B4-BE49-F238E27FC236}">
+                <a16:creationId xmlns:a16="http://schemas.microsoft.com/office/drawing/2014/main" id="{0BB313C9-2E8C-ADD0-02EC-C0FCEB5B771A}"/>
+              </a:ext>
+            </a:extLst>
+          </p:cNvPr>
+          <p:cNvSpPr>
+            <a:spLocks noGrp="1"/>
+          </p:cNvSpPr>
+          <p:nvPr>
+            <p:ph idx="1"/>
+          </p:nvPr>
+        </p:nvSpPr>
+        <p:spPr>
+          <a:xfrm>
+            <a:off x="812799" y="1825625"/>
+            <a:ext cx="6129367" cy="4834482"/>
+          </a:xfrm>
+        </p:spPr>
+        <p:txBody>
+          <a:bodyPr>
+            <a:normAutofit/>
+          </a:bodyPr>
+          <a:lstStyle/>
+          <a:p>
+            <a:r>
+              <a:rPr lang="ja-JP" altLang="en-US" dirty="0">
+                <a:latin typeface="メイリオ" panose="020B0604030504040204" pitchFamily="50" charset="-128"/>
+                <a:ea typeface="メイリオ" panose="020B0604030504040204" pitchFamily="50" charset="-128"/>
+              </a:rPr>
+              <a:t>６．</a:t>
+            </a:r>
+            <a:r>
+              <a:rPr lang="ja-JP" altLang="en-US" dirty="0"/>
+              <a:t> </a:t>
+            </a:r>
+            <a:r>
+              <a:rPr lang="en-US" altLang="ja-JP" dirty="0"/>
+              <a:t>[</a:t>
+            </a:r>
+            <a:r>
+              <a:rPr lang="ja-JP" altLang="en-US" dirty="0"/>
+              <a:t>名</a:t>
+            </a:r>
+            <a:r>
+              <a:rPr lang="en-US" altLang="ja-JP" dirty="0"/>
+              <a:t>]</a:t>
+            </a:r>
+            <a:r>
+              <a:rPr lang="ja-JP" altLang="en-US" dirty="0"/>
+              <a:t>欄，</a:t>
+            </a:r>
+            <a:r>
+              <a:rPr lang="en-US" altLang="ja-JP" dirty="0"/>
+              <a:t>[</a:t>
+            </a:r>
+            <a:r>
+              <a:rPr lang="ja-JP" altLang="en-US" dirty="0"/>
+              <a:t>姓</a:t>
+            </a:r>
+            <a:r>
+              <a:rPr lang="en-US" altLang="ja-JP" dirty="0"/>
+              <a:t>]</a:t>
+            </a:r>
+            <a:r>
+              <a:rPr lang="ja-JP" altLang="en-US" dirty="0"/>
+              <a:t>欄、</a:t>
+            </a:r>
+            <a:r>
+              <a:rPr lang="en-US" altLang="ja-JP" dirty="0"/>
+              <a:t>[</a:t>
+            </a:r>
+            <a:r>
+              <a:rPr lang="ja-JP" altLang="en-US" dirty="0"/>
+              <a:t>表示名</a:t>
+            </a:r>
+            <a:r>
+              <a:rPr lang="en-US" altLang="ja-JP" dirty="0"/>
+              <a:t>]</a:t>
+            </a:r>
+            <a:r>
+              <a:rPr lang="ja-JP" altLang="en-US" dirty="0"/>
+              <a:t>欄以外の</a:t>
+            </a:r>
+            <a:r>
+              <a:rPr lang="en-US" altLang="ja-JP" dirty="0"/>
+              <a:t>	</a:t>
+            </a:r>
+            <a:r>
+              <a:rPr lang="ja-JP" altLang="en-US" dirty="0"/>
+              <a:t>欄が入力済みの場合は該当する欄の</a:t>
+            </a:r>
+            <a:endParaRPr lang="en-US" altLang="ja-JP" dirty="0"/>
+          </a:p>
+          <a:p>
+            <a:r>
+              <a:rPr lang="en-US" altLang="ja-JP" dirty="0"/>
+              <a:t>	</a:t>
+            </a:r>
+            <a:r>
+              <a:rPr lang="ja-JP" altLang="en-US" dirty="0"/>
+              <a:t>内容を削除する。</a:t>
+            </a:r>
+            <a:endParaRPr lang="en-US" altLang="ja-JP" dirty="0"/>
+          </a:p>
+          <a:p>
+            <a:endParaRPr lang="en-US" altLang="ja-JP" dirty="0"/>
+          </a:p>
+          <a:p>
+            <a:r>
+              <a:rPr lang="ja-JP" altLang="en-US" dirty="0"/>
+              <a:t>７．画面をスクロールして、</a:t>
+            </a:r>
+            <a:endParaRPr lang="en-US" altLang="ja-JP" dirty="0"/>
+          </a:p>
+          <a:p>
+            <a:r>
+              <a:rPr lang="en-US" altLang="ja-JP" dirty="0"/>
+              <a:t>	[</a:t>
+            </a:r>
+            <a:r>
+              <a:rPr lang="ja-JP" altLang="en-US" dirty="0"/>
+              <a:t>変更を保存</a:t>
+            </a:r>
+            <a:r>
+              <a:rPr lang="en-US" altLang="ja-JP" dirty="0"/>
+              <a:t>]</a:t>
+            </a:r>
+            <a:r>
+              <a:rPr lang="ja-JP" altLang="en-US" dirty="0"/>
+              <a:t>ボタンを押す。</a:t>
+            </a:r>
+            <a:endParaRPr lang="en-US" altLang="ja-JP" dirty="0"/>
+          </a:p>
+          <a:p>
+            <a:endParaRPr lang="en-US" altLang="ja-JP" dirty="0">
+              <a:latin typeface="メイリオ" panose="020B0604030504040204" pitchFamily="50" charset="-128"/>
+              <a:ea typeface="メイリオ" panose="020B0604030504040204" pitchFamily="50" charset="-128"/>
+            </a:endParaRPr>
+          </a:p>
+          <a:p>
+            <a:endParaRPr lang="en-US" altLang="ja-JP" dirty="0">
+              <a:latin typeface="メイリオ" panose="020B0604030504040204" pitchFamily="50" charset="-128"/>
+              <a:ea typeface="メイリオ" panose="020B0604030504040204" pitchFamily="50" charset="-128"/>
+            </a:endParaRPr>
+          </a:p>
+          <a:p>
+            <a:r>
+              <a:rPr lang="ja-JP" altLang="en-US" dirty="0">
+                <a:latin typeface="メイリオ" panose="020B0604030504040204" pitchFamily="50" charset="-128"/>
+                <a:ea typeface="メイリオ" panose="020B0604030504040204" pitchFamily="50" charset="-128"/>
+              </a:rPr>
+              <a:t>８．</a:t>
+            </a:r>
+            <a:r>
+              <a:rPr lang="ja-JP" altLang="en-US" dirty="0"/>
+              <a:t>アカウント名が変更後の内容に</a:t>
+            </a:r>
+            <a:endParaRPr lang="en-US" altLang="ja-JP" dirty="0"/>
+          </a:p>
+          <a:p>
+            <a:r>
+              <a:rPr lang="en-US" altLang="ja-JP" dirty="0"/>
+              <a:t>	</a:t>
+            </a:r>
+            <a:r>
+              <a:rPr lang="ja-JP" altLang="en-US" dirty="0"/>
+              <a:t>反映されていることを確認する。 </a:t>
+            </a:r>
+            <a:endParaRPr lang="en-US" altLang="ja-JP" dirty="0">
+              <a:latin typeface="メイリオ" panose="020B0604030504040204" pitchFamily="50" charset="-128"/>
+              <a:ea typeface="メイリオ" panose="020B0604030504040204" pitchFamily="50" charset="-128"/>
+            </a:endParaRPr>
+          </a:p>
+        </p:txBody>
+      </p:sp>
+      <p:sp>
+        <p:nvSpPr>
+          <p:cNvPr id="4" name="正方形/長方形 3">
+            <a:extLst>
+              <a:ext uri="{FF2B5EF4-FFF2-40B4-BE49-F238E27FC236}">
+                <a16:creationId xmlns:a16="http://schemas.microsoft.com/office/drawing/2014/main" id="{72324284-C8F0-C679-26C9-88B3CFD60C18}"/>
+              </a:ext>
+            </a:extLst>
+          </p:cNvPr>
+          <p:cNvSpPr/>
+          <p:nvPr/>
+        </p:nvSpPr>
+        <p:spPr>
+          <a:xfrm>
+            <a:off x="848413" y="85981"/>
+            <a:ext cx="3261674" cy="365125"/>
+          </a:xfrm>
+          <a:prstGeom prst="rect">
+            <a:avLst/>
+          </a:prstGeom>
+          <a:solidFill>
+            <a:schemeClr val="bg1"/>
+          </a:solidFill>
+          <a:ln>
+            <a:solidFill>
+              <a:schemeClr val="bg1"/>
+            </a:solidFill>
+          </a:ln>
+        </p:spPr>
+        <p:style>
+          <a:lnRef idx="2">
+            <a:schemeClr val="accent1">
+              <a:shade val="50000"/>
+            </a:schemeClr>
+          </a:lnRef>
+          <a:fillRef idx="1">
+            <a:schemeClr val="accent1"/>
+          </a:fillRef>
+          <a:effectRef idx="0">
+            <a:schemeClr val="accent1"/>
+          </a:effectRef>
+          <a:fontRef idx="minor">
+            <a:schemeClr val="lt1"/>
+          </a:fontRef>
+        </p:style>
+        <p:txBody>
+          <a:bodyPr rtlCol="0" anchor="ctr"/>
+          <a:lstStyle/>
+          <a:p>
+            <a:r>
+              <a:rPr kumimoji="1" lang="ja-JP" altLang="en-US" sz="2000" dirty="0">
+                <a:solidFill>
+                  <a:schemeClr val="tx1"/>
+                </a:solidFill>
+              </a:rPr>
+              <a:t>研修ガイダンス</a:t>
+            </a:r>
+          </a:p>
+        </p:txBody>
+      </p:sp>
+      <p:sp>
+        <p:nvSpPr>
+          <p:cNvPr id="5" name="スライド番号プレースホルダー 3">
+            <a:extLst>
+              <a:ext uri="{FF2B5EF4-FFF2-40B4-BE49-F238E27FC236}">
+                <a16:creationId xmlns:a16="http://schemas.microsoft.com/office/drawing/2014/main" id="{B7122219-40C9-EEA4-6AEC-3B1DDE6762E3}"/>
+              </a:ext>
+            </a:extLst>
+          </p:cNvPr>
+          <p:cNvSpPr>
+            <a:spLocks noGrp="1"/>
+          </p:cNvSpPr>
+          <p:nvPr>
+            <p:ph type="sldNum" sz="quarter" idx="12"/>
+          </p:nvPr>
+        </p:nvSpPr>
+        <p:spPr>
+          <a:xfrm>
+            <a:off x="93184" y="6454029"/>
+            <a:ext cx="2743200" cy="365125"/>
+          </a:xfrm>
+        </p:spPr>
+        <p:txBody>
+          <a:bodyPr/>
+          <a:lstStyle/>
+          <a:p>
+            <a:fld id="{D4DE910D-69DC-EA44-B504-FB462E4F2411}" type="slidenum">
+              <a:rPr kumimoji="1" lang="ja-JP" altLang="en-US" smtClean="0"/>
+              <a:pPr/>
+              <a:t>20</a:t>
             </a:fld>
             <a:endParaRPr kumimoji="1" lang="ja-JP" altLang="en-US" dirty="0"/>
           </a:p>
@@ -12652,7 +13773,7 @@
 </p:sld>
 </file>
 
-<file path=ppt/slides/slide2.xml><?xml version="1.0" encoding="utf-8"?>
+<file path=ppt/slides/slide21.xml><?xml version="1.0" encoding="utf-8"?>
 <p:sld xmlns:a="http://schemas.openxmlformats.org/drawingml/2006/main" xmlns:r="http://schemas.openxmlformats.org/officeDocument/2006/relationships" xmlns:p="http://schemas.openxmlformats.org/presentationml/2006/main">
   <p:cSld>
     <p:spTree>
@@ -12691,9 +13812,32 @@
           <a:lstStyle/>
           <a:p>
             <a:r>
-              <a:rPr kumimoji="1" lang="ja-JP" altLang="en-US" dirty="0"/>
-              <a:t>目次</a:t>
-            </a:r>
+              <a:rPr lang="en-US" altLang="ja-JP" sz="3600" dirty="0">
+                <a:solidFill>
+                  <a:srgbClr val="000000"/>
+                </a:solidFill>
+                <a:latin typeface="Meiryo" panose="020B0604030504040204" pitchFamily="50" charset="-128"/>
+                <a:ea typeface="Meiryo" panose="020B0604030504040204" pitchFamily="50" charset="-128"/>
+              </a:rPr>
+              <a:t>Zoom</a:t>
+            </a:r>
+            <a:r>
+              <a:rPr lang="ja-JP" altLang="en-US" sz="3600" dirty="0">
+                <a:solidFill>
+                  <a:srgbClr val="000000"/>
+                </a:solidFill>
+                <a:latin typeface="Meiryo" panose="020B0604030504040204" pitchFamily="50" charset="-128"/>
+                <a:ea typeface="Meiryo" panose="020B0604030504040204" pitchFamily="50" charset="-128"/>
+              </a:rPr>
+              <a:t>アカウントの修正</a:t>
+            </a:r>
+            <a:endParaRPr lang="en-US" altLang="ja-JP" sz="3600" dirty="0">
+              <a:solidFill>
+                <a:srgbClr val="000000"/>
+              </a:solidFill>
+              <a:latin typeface="Meiryo" panose="020B0604030504040204" pitchFamily="50" charset="-128"/>
+              <a:ea typeface="Meiryo" panose="020B0604030504040204" pitchFamily="50" charset="-128"/>
+            </a:endParaRPr>
           </a:p>
         </p:txBody>
       </p:sp>
@@ -12713,306 +13857,96 @@
             <p:ph idx="1"/>
           </p:nvPr>
         </p:nvSpPr>
-        <p:spPr/>
+        <p:spPr>
+          <a:xfrm>
+            <a:off x="812800" y="1825625"/>
+            <a:ext cx="10541000" cy="4351338"/>
+          </a:xfrm>
+        </p:spPr>
         <p:txBody>
           <a:bodyPr>
             <a:normAutofit/>
           </a:bodyPr>
           <a:lstStyle/>
           <a:p>
-            <a:pPr marL="457200" indent="-457200">
-              <a:buFont typeface="+mj-lt"/>
-              <a:buAutoNum type="arabicPeriod"/>
+            <a:r>
+              <a:rPr lang="ja-JP" altLang="en-US" dirty="0">
+                <a:latin typeface="メイリオ" panose="020B0604030504040204" pitchFamily="50" charset="-128"/>
+                <a:ea typeface="メイリオ" panose="020B0604030504040204" pitchFamily="50" charset="-128"/>
+              </a:rPr>
+              <a:t>９．</a:t>
+            </a:r>
+            <a:r>
+              <a:rPr lang="ja-JP" altLang="en-US" dirty="0"/>
+              <a:t>現在参加している </a:t>
+            </a:r>
+            <a:r>
+              <a:rPr lang="en-US" altLang="ja-JP" dirty="0"/>
+              <a:t>Zoom </a:t>
+            </a:r>
+            <a:r>
+              <a:rPr lang="ja-JP" altLang="en-US" dirty="0"/>
+              <a:t>会議室を一度退出して、</a:t>
+            </a:r>
+            <a:endParaRPr lang="en-US" altLang="ja-JP" dirty="0"/>
+          </a:p>
+          <a:p>
+            <a:pPr marL="685800" lvl="2" indent="0">
+              <a:buNone/>
             </a:pPr>
             <a:r>
-              <a:rPr lang="en-US" altLang="ja-JP" b="0" i="0" dirty="0">
-                <a:solidFill>
-                  <a:srgbClr val="000000"/>
-                </a:solidFill>
-                <a:effectLst/>
-                <a:latin typeface="Meiryo" panose="020B0604030504040204" pitchFamily="50" charset="-128"/>
-                <a:ea typeface="Meiryo" panose="020B0604030504040204" pitchFamily="50" charset="-128"/>
-              </a:rPr>
-              <a:t>LMS</a:t>
-            </a:r>
-            <a:r>
-              <a:rPr lang="ja-JP" altLang="en-US" b="0" i="0" dirty="0">
-                <a:solidFill>
-                  <a:srgbClr val="000000"/>
-                </a:solidFill>
-                <a:effectLst/>
-                <a:latin typeface="Meiryo" panose="020B0604030504040204" pitchFamily="50" charset="-128"/>
-                <a:ea typeface="Meiryo" panose="020B0604030504040204" pitchFamily="50" charset="-128"/>
-              </a:rPr>
-              <a:t>ログイン</a:t>
-            </a:r>
-            <a:endParaRPr lang="en-US" altLang="ja-JP" b="0" i="0" dirty="0">
-              <a:solidFill>
-                <a:srgbClr val="000000"/>
-              </a:solidFill>
-              <a:effectLst/>
-              <a:latin typeface="Meiryo" panose="020B0604030504040204" pitchFamily="50" charset="-128"/>
-              <a:ea typeface="Meiryo" panose="020B0604030504040204" pitchFamily="50" charset="-128"/>
-            </a:endParaRPr>
-          </a:p>
-          <a:p>
-            <a:pPr marL="457200" indent="-457200">
-              <a:buFont typeface="+mj-lt"/>
-              <a:buAutoNum type="arabicPeriod"/>
+              <a:rPr lang="ja-JP" altLang="en-US" dirty="0"/>
+              <a:t>同じ </a:t>
+            </a:r>
+            <a:r>
+              <a:rPr lang="en-US" altLang="ja-JP" dirty="0"/>
+              <a:t>Zoom </a:t>
+            </a:r>
+            <a:r>
+              <a:rPr lang="ja-JP" altLang="en-US" dirty="0"/>
+              <a:t>会議室の </a:t>
+            </a:r>
+            <a:r>
+              <a:rPr lang="en-US" altLang="ja-JP" dirty="0"/>
+              <a:t>URL </a:t>
+            </a:r>
+            <a:r>
+              <a:rPr lang="ja-JP" altLang="en-US" dirty="0"/>
+              <a:t>をクリックして再度参加する。</a:t>
+            </a:r>
+            <a:endParaRPr lang="en-US" altLang="ja-JP" dirty="0"/>
+          </a:p>
+          <a:p>
+            <a:endParaRPr lang="en-US" altLang="ja-JP" dirty="0"/>
+          </a:p>
+          <a:p>
+            <a:r>
+              <a:rPr lang="en-US" altLang="ja-JP" dirty="0"/>
+              <a:t>10</a:t>
+            </a:r>
+            <a:r>
+              <a:rPr lang="ja-JP" altLang="en-US" dirty="0"/>
+              <a:t>．</a:t>
+            </a:r>
+            <a:r>
+              <a:rPr lang="en-US" altLang="ja-JP" dirty="0"/>
+              <a:t>Zoom </a:t>
+            </a:r>
+            <a:r>
+              <a:rPr lang="ja-JP" altLang="en-US" dirty="0"/>
+              <a:t>会議室に表示されている自分のアカウント名が「変更後の内容」</a:t>
+            </a:r>
+            <a:endParaRPr lang="en-US" altLang="ja-JP" dirty="0"/>
+          </a:p>
+          <a:p>
+            <a:pPr marL="685800" lvl="2" indent="0">
+              <a:buNone/>
             </a:pPr>
             <a:r>
-              <a:rPr lang="ja-JP" altLang="en-US" b="0" i="0" dirty="0">
-                <a:solidFill>
-                  <a:srgbClr val="000000"/>
-                </a:solidFill>
-                <a:effectLst/>
-                <a:latin typeface="Meiryo" panose="020B0604030504040204" pitchFamily="50" charset="-128"/>
-                <a:ea typeface="Meiryo" panose="020B0604030504040204" pitchFamily="50" charset="-128"/>
-              </a:rPr>
-              <a:t>勤怠入力</a:t>
-            </a:r>
-            <a:endParaRPr lang="en-US" altLang="ja-JP" b="0" i="0" dirty="0">
-              <a:solidFill>
-                <a:srgbClr val="000000"/>
-              </a:solidFill>
-              <a:effectLst/>
-              <a:latin typeface="Meiryo" panose="020B0604030504040204" pitchFamily="50" charset="-128"/>
-              <a:ea typeface="Meiryo" panose="020B0604030504040204" pitchFamily="50" charset="-128"/>
-            </a:endParaRPr>
-          </a:p>
-          <a:p>
-            <a:pPr marL="457200" indent="-457200">
-              <a:buFont typeface="+mj-lt"/>
-              <a:buAutoNum type="arabicPeriod"/>
-            </a:pPr>
-            <a:r>
-              <a:rPr lang="en-US" altLang="ja-JP" b="0" i="0" dirty="0">
-                <a:solidFill>
-                  <a:srgbClr val="000000"/>
-                </a:solidFill>
-                <a:effectLst/>
-                <a:latin typeface="Meiryo" panose="020B0604030504040204" pitchFamily="50" charset="-128"/>
-                <a:ea typeface="Meiryo" panose="020B0604030504040204" pitchFamily="50" charset="-128"/>
-              </a:rPr>
-              <a:t>Google</a:t>
-            </a:r>
-            <a:r>
-              <a:rPr lang="ja-JP" altLang="en-US" b="0" i="0" dirty="0">
-                <a:solidFill>
-                  <a:srgbClr val="000000"/>
-                </a:solidFill>
-                <a:effectLst/>
-                <a:latin typeface="Meiryo" panose="020B0604030504040204" pitchFamily="50" charset="-128"/>
-                <a:ea typeface="Meiryo" panose="020B0604030504040204" pitchFamily="50" charset="-128"/>
-              </a:rPr>
-              <a:t>アカウント登録</a:t>
-            </a:r>
-            <a:endParaRPr lang="en-US" altLang="ja-JP" b="0" i="0" dirty="0">
-              <a:solidFill>
-                <a:srgbClr val="000000"/>
-              </a:solidFill>
-              <a:effectLst/>
-              <a:latin typeface="Meiryo" panose="020B0604030504040204" pitchFamily="50" charset="-128"/>
-              <a:ea typeface="Meiryo" panose="020B0604030504040204" pitchFamily="50" charset="-128"/>
-            </a:endParaRPr>
-          </a:p>
-          <a:p>
-            <a:pPr marL="457200" indent="-457200">
-              <a:buFont typeface="+mj-lt"/>
-              <a:buAutoNum type="arabicPeriod"/>
-            </a:pPr>
-            <a:r>
-              <a:rPr lang="en-US" altLang="ja-JP" b="0" i="0" dirty="0">
-                <a:solidFill>
-                  <a:srgbClr val="000000"/>
-                </a:solidFill>
-                <a:effectLst/>
-                <a:latin typeface="Meiryo" panose="020B0604030504040204" pitchFamily="50" charset="-128"/>
-                <a:ea typeface="Meiryo" panose="020B0604030504040204" pitchFamily="50" charset="-128"/>
-              </a:rPr>
-              <a:t>Zoom</a:t>
-            </a:r>
-            <a:r>
-              <a:rPr lang="ja-JP" altLang="en-US" b="0" i="0" dirty="0">
-                <a:solidFill>
-                  <a:srgbClr val="000000"/>
-                </a:solidFill>
-                <a:effectLst/>
-                <a:latin typeface="Meiryo" panose="020B0604030504040204" pitchFamily="50" charset="-128"/>
-                <a:ea typeface="Meiryo" panose="020B0604030504040204" pitchFamily="50" charset="-128"/>
-              </a:rPr>
-              <a:t>アカウントの修正</a:t>
-            </a:r>
-            <a:endParaRPr lang="en-US" altLang="ja-JP" b="0" i="0" dirty="0">
-              <a:solidFill>
-                <a:srgbClr val="000000"/>
-              </a:solidFill>
-              <a:effectLst/>
-              <a:latin typeface="Meiryo" panose="020B0604030504040204" pitchFamily="50" charset="-128"/>
-              <a:ea typeface="Meiryo" panose="020B0604030504040204" pitchFamily="50" charset="-128"/>
-            </a:endParaRPr>
-          </a:p>
-          <a:p>
-            <a:pPr marL="457200" indent="-457200">
-              <a:buFont typeface="+mj-lt"/>
-              <a:buAutoNum type="arabicPeriod"/>
-            </a:pPr>
-            <a:r>
-              <a:rPr lang="en-US" altLang="ja-JP" dirty="0">
-                <a:solidFill>
-                  <a:srgbClr val="000000"/>
-                </a:solidFill>
-                <a:latin typeface="Meiryo" panose="020B0604030504040204" pitchFamily="50" charset="-128"/>
-                <a:ea typeface="Meiryo" panose="020B0604030504040204" pitchFamily="50" charset="-128"/>
-              </a:rPr>
-              <a:t>Zoom</a:t>
-            </a:r>
-            <a:r>
-              <a:rPr lang="ja-JP" altLang="en-US" dirty="0">
-                <a:solidFill>
-                  <a:srgbClr val="000000"/>
-                </a:solidFill>
-                <a:latin typeface="Meiryo" panose="020B0604030504040204" pitchFamily="50" charset="-128"/>
-                <a:ea typeface="Meiryo" panose="020B0604030504040204" pitchFamily="50" charset="-128"/>
-              </a:rPr>
-              <a:t>スクリーンショットの撮影</a:t>
-            </a:r>
-            <a:endParaRPr lang="en-US" altLang="ja-JP" b="0" i="0" dirty="0">
-              <a:solidFill>
-                <a:srgbClr val="000000"/>
-              </a:solidFill>
-              <a:effectLst/>
-              <a:latin typeface="Meiryo" panose="020B0604030504040204" pitchFamily="50" charset="-128"/>
-              <a:ea typeface="Meiryo" panose="020B0604030504040204" pitchFamily="50" charset="-128"/>
-            </a:endParaRPr>
-          </a:p>
-          <a:p>
-            <a:pPr marL="457200" indent="-457200">
-              <a:buFont typeface="+mj-lt"/>
-              <a:buAutoNum type="arabicPeriod"/>
-            </a:pPr>
-            <a:r>
-              <a:rPr lang="en-US" altLang="ja-JP" b="0" i="0" dirty="0">
-                <a:solidFill>
-                  <a:srgbClr val="000000"/>
-                </a:solidFill>
-                <a:effectLst/>
-                <a:latin typeface="Meiryo" panose="020B0604030504040204" pitchFamily="50" charset="-128"/>
-                <a:ea typeface="Meiryo" panose="020B0604030504040204" pitchFamily="50" charset="-128"/>
-              </a:rPr>
-              <a:t>PC</a:t>
-            </a:r>
-            <a:r>
-              <a:rPr lang="ja-JP" altLang="en-US" b="0" i="0" dirty="0">
-                <a:solidFill>
-                  <a:srgbClr val="000000"/>
-                </a:solidFill>
-                <a:effectLst/>
-                <a:latin typeface="Meiryo" panose="020B0604030504040204" pitchFamily="50" charset="-128"/>
-                <a:ea typeface="Meiryo" panose="020B0604030504040204" pitchFamily="50" charset="-128"/>
-              </a:rPr>
-              <a:t>セットアップ</a:t>
-            </a:r>
-            <a:endParaRPr lang="en-US" altLang="ja-JP" b="0" i="0" dirty="0">
-              <a:solidFill>
-                <a:srgbClr val="000000"/>
-              </a:solidFill>
-              <a:effectLst/>
-              <a:latin typeface="Meiryo" panose="020B0604030504040204" pitchFamily="50" charset="-128"/>
-              <a:ea typeface="Meiryo" panose="020B0604030504040204" pitchFamily="50" charset="-128"/>
-            </a:endParaRPr>
-          </a:p>
-          <a:p>
-            <a:pPr marL="457200" indent="-457200">
-              <a:buFont typeface="+mj-lt"/>
-              <a:buAutoNum type="arabicPeriod"/>
-            </a:pPr>
-            <a:r>
-              <a:rPr lang="ja-JP" altLang="en-US" dirty="0">
-                <a:solidFill>
-                  <a:srgbClr val="000000"/>
-                </a:solidFill>
-                <a:latin typeface="Meiryo" panose="020B0604030504040204" pitchFamily="50" charset="-128"/>
-                <a:ea typeface="Meiryo" panose="020B0604030504040204" pitchFamily="50" charset="-128"/>
-              </a:rPr>
-              <a:t>研修規約の確認</a:t>
-            </a:r>
-            <a:endParaRPr lang="en-US" altLang="ja-JP" dirty="0">
-              <a:solidFill>
-                <a:srgbClr val="000000"/>
-              </a:solidFill>
-              <a:latin typeface="Meiryo" panose="020B0604030504040204" pitchFamily="50" charset="-128"/>
-              <a:ea typeface="Meiryo" panose="020B0604030504040204" pitchFamily="50" charset="-128"/>
-            </a:endParaRPr>
-          </a:p>
-          <a:p>
-            <a:pPr marL="457200" indent="-457200">
-              <a:buFont typeface="+mj-lt"/>
-              <a:buAutoNum type="arabicPeriod"/>
-            </a:pPr>
-            <a:r>
-              <a:rPr lang="ja-JP" altLang="en-US" b="0" i="0" dirty="0">
-                <a:solidFill>
-                  <a:srgbClr val="000000"/>
-                </a:solidFill>
-                <a:effectLst/>
-                <a:latin typeface="Meiryo" panose="020B0604030504040204" pitchFamily="50" charset="-128"/>
-                <a:ea typeface="Meiryo" panose="020B0604030504040204" pitchFamily="50" charset="-128"/>
-              </a:rPr>
-              <a:t>日報の作成　</a:t>
-            </a:r>
-            <a:r>
-              <a:rPr lang="en-US" altLang="ja-JP" b="0" i="0" dirty="0">
-                <a:solidFill>
-                  <a:srgbClr val="000000"/>
-                </a:solidFill>
-                <a:effectLst/>
-                <a:latin typeface="Meiryo" panose="020B0604030504040204" pitchFamily="50" charset="-128"/>
-                <a:ea typeface="Meiryo" panose="020B0604030504040204" pitchFamily="50" charset="-128"/>
-              </a:rPr>
-              <a:t>※17</a:t>
-            </a:r>
-            <a:r>
-              <a:rPr lang="ja-JP" altLang="en-US" b="0" i="0" dirty="0">
-                <a:solidFill>
-                  <a:srgbClr val="000000"/>
-                </a:solidFill>
-                <a:effectLst/>
-                <a:latin typeface="Meiryo" panose="020B0604030504040204" pitchFamily="50" charset="-128"/>
-                <a:ea typeface="Meiryo" panose="020B0604030504040204" pitchFamily="50" charset="-128"/>
-              </a:rPr>
-              <a:t>時</a:t>
-            </a:r>
-            <a:r>
-              <a:rPr lang="en-US" altLang="ja-JP" b="0" i="0" dirty="0">
-                <a:solidFill>
-                  <a:srgbClr val="000000"/>
-                </a:solidFill>
-                <a:effectLst/>
-                <a:latin typeface="Meiryo" panose="020B0604030504040204" pitchFamily="50" charset="-128"/>
-                <a:ea typeface="Meiryo" panose="020B0604030504040204" pitchFamily="50" charset="-128"/>
-              </a:rPr>
-              <a:t>30</a:t>
-            </a:r>
-            <a:r>
-              <a:rPr lang="ja-JP" altLang="en-US" b="0" i="0" dirty="0">
-                <a:solidFill>
-                  <a:srgbClr val="000000"/>
-                </a:solidFill>
-                <a:effectLst/>
-                <a:latin typeface="Meiryo" panose="020B0604030504040204" pitchFamily="50" charset="-128"/>
-                <a:ea typeface="Meiryo" panose="020B0604030504040204" pitchFamily="50" charset="-128"/>
-              </a:rPr>
-              <a:t>分ごろに説明します。</a:t>
-            </a:r>
-            <a:endParaRPr lang="en-US" altLang="ja-JP" b="0" i="0" dirty="0">
-              <a:solidFill>
-                <a:srgbClr val="000000"/>
-              </a:solidFill>
-              <a:effectLst/>
-              <a:latin typeface="Meiryo" panose="020B0604030504040204" pitchFamily="50" charset="-128"/>
-              <a:ea typeface="Meiryo" panose="020B0604030504040204" pitchFamily="50" charset="-128"/>
-            </a:endParaRPr>
+              <a:rPr lang="ja-JP" altLang="en-US" dirty="0"/>
+              <a:t>に反映されていることを確認する。 </a:t>
+            </a:r>
+            <a:endParaRPr lang="en-US" altLang="ja-JP" dirty="0"/>
           </a:p>
         </p:txBody>
       </p:sp>
@@ -13081,7 +14015,7 @@
           <p:cNvPr id="5" name="スライド番号プレースホルダー 3">
             <a:extLst>
               <a:ext uri="{FF2B5EF4-FFF2-40B4-BE49-F238E27FC236}">
-                <a16:creationId xmlns:a16="http://schemas.microsoft.com/office/drawing/2014/main" id="{4CCFDB64-A8BB-7155-CAFF-567690A0EEDF}"/>
+                <a16:creationId xmlns:a16="http://schemas.microsoft.com/office/drawing/2014/main" id="{B7122219-40C9-EEA4-6AEC-3B1DDE6762E3}"/>
               </a:ext>
             </a:extLst>
           </p:cNvPr>
@@ -13105,292 +14039,7 @@
             <a:fld id="{D4DE910D-69DC-EA44-B504-FB462E4F2411}" type="slidenum">
               <a:rPr kumimoji="1" lang="ja-JP" altLang="en-US" smtClean="0"/>
               <a:pPr/>
-              <a:t>2</a:t>
-            </a:fld>
-            <a:endParaRPr kumimoji="1" lang="ja-JP" altLang="en-US" dirty="0"/>
-          </a:p>
-        </p:txBody>
-      </p:sp>
-    </p:spTree>
-    <p:extLst>
-      <p:ext uri="{BB962C8B-B14F-4D97-AF65-F5344CB8AC3E}">
-        <p14:creationId xmlns:p14="http://schemas.microsoft.com/office/powerpoint/2010/main" val="3910797268"/>
-      </p:ext>
-    </p:extLst>
-  </p:cSld>
-  <p:clrMapOvr>
-    <a:masterClrMapping/>
-  </p:clrMapOvr>
-</p:sld>
-</file>
-
-<file path=ppt/slides/slide20.xml><?xml version="1.0" encoding="utf-8"?>
-<p:sld xmlns:a="http://schemas.openxmlformats.org/drawingml/2006/main" xmlns:r="http://schemas.openxmlformats.org/officeDocument/2006/relationships" xmlns:p="http://schemas.openxmlformats.org/presentationml/2006/main">
-  <p:cSld>
-    <p:spTree>
-      <p:nvGrpSpPr>
-        <p:cNvPr id="1" name=""/>
-        <p:cNvGrpSpPr/>
-        <p:nvPr/>
-      </p:nvGrpSpPr>
-      <p:grpSpPr>
-        <a:xfrm>
-          <a:off x="0" y="0"/>
-          <a:ext cx="0" cy="0"/>
-          <a:chOff x="0" y="0"/>
-          <a:chExt cx="0" cy="0"/>
-        </a:xfrm>
-      </p:grpSpPr>
-      <p:sp>
-        <p:nvSpPr>
-          <p:cNvPr id="2" name="タイトル 1">
-            <a:extLst>
-              <a:ext uri="{FF2B5EF4-FFF2-40B4-BE49-F238E27FC236}">
-                <a16:creationId xmlns:a16="http://schemas.microsoft.com/office/drawing/2014/main" id="{8417C546-2F47-45F8-D20C-DD63540ECB0F}"/>
-              </a:ext>
-            </a:extLst>
-          </p:cNvPr>
-          <p:cNvSpPr>
-            <a:spLocks noGrp="1"/>
-          </p:cNvSpPr>
-          <p:nvPr>
-            <p:ph type="title"/>
-          </p:nvPr>
-        </p:nvSpPr>
-        <p:spPr/>
-        <p:txBody>
-          <a:bodyPr/>
-          <a:lstStyle/>
-          <a:p>
-            <a:r>
-              <a:rPr lang="en-US" altLang="ja-JP" sz="3600" dirty="0">
-                <a:solidFill>
-                  <a:srgbClr val="000000"/>
-                </a:solidFill>
-                <a:latin typeface="Meiryo" panose="020B0604030504040204" pitchFamily="50" charset="-128"/>
-                <a:ea typeface="Meiryo" panose="020B0604030504040204" pitchFamily="50" charset="-128"/>
-              </a:rPr>
-              <a:t>Zoom</a:t>
-            </a:r>
-            <a:r>
-              <a:rPr lang="ja-JP" altLang="en-US" sz="3600" dirty="0">
-                <a:solidFill>
-                  <a:srgbClr val="000000"/>
-                </a:solidFill>
-                <a:latin typeface="Meiryo" panose="020B0604030504040204" pitchFamily="50" charset="-128"/>
-                <a:ea typeface="Meiryo" panose="020B0604030504040204" pitchFamily="50" charset="-128"/>
-              </a:rPr>
-              <a:t>アカウントの修正</a:t>
-            </a:r>
-            <a:endParaRPr lang="en-US" altLang="ja-JP" sz="3600" dirty="0">
-              <a:solidFill>
-                <a:srgbClr val="000000"/>
-              </a:solidFill>
-              <a:latin typeface="Meiryo" panose="020B0604030504040204" pitchFamily="50" charset="-128"/>
-              <a:ea typeface="Meiryo" panose="020B0604030504040204" pitchFamily="50" charset="-128"/>
-            </a:endParaRPr>
-          </a:p>
-        </p:txBody>
-      </p:sp>
-      <p:sp>
-        <p:nvSpPr>
-          <p:cNvPr id="3" name="コンテンツ プレースホルダー 2">
-            <a:extLst>
-              <a:ext uri="{FF2B5EF4-FFF2-40B4-BE49-F238E27FC236}">
-                <a16:creationId xmlns:a16="http://schemas.microsoft.com/office/drawing/2014/main" id="{0BB313C9-2E8C-ADD0-02EC-C0FCEB5B771A}"/>
-              </a:ext>
-            </a:extLst>
-          </p:cNvPr>
-          <p:cNvSpPr>
-            <a:spLocks noGrp="1"/>
-          </p:cNvSpPr>
-          <p:nvPr>
-            <p:ph idx="1"/>
-          </p:nvPr>
-        </p:nvSpPr>
-        <p:spPr>
-          <a:xfrm>
-            <a:off x="812800" y="1825625"/>
-            <a:ext cx="10541000" cy="4351338"/>
-          </a:xfrm>
-        </p:spPr>
-        <p:txBody>
-          <a:bodyPr>
-            <a:normAutofit/>
-          </a:bodyPr>
-          <a:lstStyle/>
-          <a:p>
-            <a:r>
-              <a:rPr lang="ja-JP" altLang="en-US" dirty="0">
-                <a:latin typeface="メイリオ" panose="020B0604030504040204" pitchFamily="50" charset="-128"/>
-                <a:ea typeface="メイリオ" panose="020B0604030504040204" pitchFamily="50" charset="-128"/>
-              </a:rPr>
-              <a:t>９．</a:t>
-            </a:r>
-            <a:r>
-              <a:rPr lang="ja-JP" altLang="en-US" dirty="0"/>
-              <a:t>現在参加している </a:t>
-            </a:r>
-            <a:r>
-              <a:rPr lang="en-US" altLang="ja-JP" dirty="0"/>
-              <a:t>Zoom </a:t>
-            </a:r>
-            <a:r>
-              <a:rPr lang="ja-JP" altLang="en-US" dirty="0"/>
-              <a:t>会議室を一度退出して、</a:t>
-            </a:r>
-            <a:endParaRPr lang="en-US" altLang="ja-JP" dirty="0"/>
-          </a:p>
-          <a:p>
-            <a:pPr marL="685800" lvl="2" indent="0">
-              <a:buNone/>
-            </a:pPr>
-            <a:r>
-              <a:rPr lang="ja-JP" altLang="en-US" dirty="0"/>
-              <a:t>同じ </a:t>
-            </a:r>
-            <a:r>
-              <a:rPr lang="en-US" altLang="ja-JP" dirty="0"/>
-              <a:t>Zoom </a:t>
-            </a:r>
-            <a:r>
-              <a:rPr lang="ja-JP" altLang="en-US" dirty="0"/>
-              <a:t>会議室の </a:t>
-            </a:r>
-            <a:r>
-              <a:rPr lang="en-US" altLang="ja-JP" dirty="0"/>
-              <a:t>URL </a:t>
-            </a:r>
-            <a:r>
-              <a:rPr lang="ja-JP" altLang="en-US" dirty="0"/>
-              <a:t>をクリックして再度参加する。</a:t>
-            </a:r>
-            <a:endParaRPr lang="en-US" altLang="ja-JP" dirty="0"/>
-          </a:p>
-          <a:p>
-            <a:endParaRPr lang="en-US" altLang="ja-JP" dirty="0"/>
-          </a:p>
-          <a:p>
-            <a:r>
-              <a:rPr lang="en-US" altLang="ja-JP" dirty="0"/>
-              <a:t>10</a:t>
-            </a:r>
-            <a:r>
-              <a:rPr lang="ja-JP" altLang="en-US" dirty="0"/>
-              <a:t>．</a:t>
-            </a:r>
-            <a:r>
-              <a:rPr lang="en-US" altLang="ja-JP" dirty="0"/>
-              <a:t>Zoom </a:t>
-            </a:r>
-            <a:r>
-              <a:rPr lang="ja-JP" altLang="en-US" dirty="0"/>
-              <a:t>会議室に表示されている自分のアカウント名が「変更後の内容」</a:t>
-            </a:r>
-            <a:endParaRPr lang="en-US" altLang="ja-JP" dirty="0"/>
-          </a:p>
-          <a:p>
-            <a:pPr marL="685800" lvl="2" indent="0">
-              <a:buNone/>
-            </a:pPr>
-            <a:r>
-              <a:rPr lang="ja-JP" altLang="en-US" dirty="0"/>
-              <a:t>に反映されていることを確認する。 </a:t>
-            </a:r>
-            <a:endParaRPr lang="en-US" altLang="ja-JP" dirty="0"/>
-          </a:p>
-        </p:txBody>
-      </p:sp>
-      <p:sp>
-        <p:nvSpPr>
-          <p:cNvPr id="4" name="正方形/長方形 3">
-            <a:extLst>
-              <a:ext uri="{FF2B5EF4-FFF2-40B4-BE49-F238E27FC236}">
-                <a16:creationId xmlns:a16="http://schemas.microsoft.com/office/drawing/2014/main" id="{72324284-C8F0-C679-26C9-88B3CFD60C18}"/>
-              </a:ext>
-            </a:extLst>
-          </p:cNvPr>
-          <p:cNvSpPr/>
-          <p:nvPr/>
-        </p:nvSpPr>
-        <p:spPr>
-          <a:xfrm>
-            <a:off x="848413" y="85981"/>
-            <a:ext cx="3261674" cy="365125"/>
-          </a:xfrm>
-          <a:prstGeom prst="rect">
-            <a:avLst/>
-          </a:prstGeom>
-          <a:solidFill>
-            <a:schemeClr val="bg1"/>
-          </a:solidFill>
-          <a:ln>
-            <a:solidFill>
-              <a:schemeClr val="bg1"/>
-            </a:solidFill>
-          </a:ln>
-        </p:spPr>
-        <p:style>
-          <a:lnRef idx="2">
-            <a:schemeClr val="accent1">
-              <a:shade val="50000"/>
-            </a:schemeClr>
-          </a:lnRef>
-          <a:fillRef idx="1">
-            <a:schemeClr val="accent1"/>
-          </a:fillRef>
-          <a:effectRef idx="0">
-            <a:schemeClr val="accent1"/>
-          </a:effectRef>
-          <a:fontRef idx="minor">
-            <a:schemeClr val="lt1"/>
-          </a:fontRef>
-        </p:style>
-        <p:txBody>
-          <a:bodyPr rtlCol="0" anchor="ctr"/>
-          <a:lstStyle/>
-          <a:p>
-            <a:r>
-              <a:rPr kumimoji="1" lang="ja-JP" altLang="en-US" sz="2000" dirty="0">
-                <a:solidFill>
-                  <a:schemeClr val="tx1"/>
-                </a:solidFill>
-              </a:rPr>
-              <a:t>研修ガイダンス</a:t>
-            </a:r>
-          </a:p>
-        </p:txBody>
-      </p:sp>
-      <p:sp>
-        <p:nvSpPr>
-          <p:cNvPr id="5" name="スライド番号プレースホルダー 3">
-            <a:extLst>
-              <a:ext uri="{FF2B5EF4-FFF2-40B4-BE49-F238E27FC236}">
-                <a16:creationId xmlns:a16="http://schemas.microsoft.com/office/drawing/2014/main" id="{B7122219-40C9-EEA4-6AEC-3B1DDE6762E3}"/>
-              </a:ext>
-            </a:extLst>
-          </p:cNvPr>
-          <p:cNvSpPr>
-            <a:spLocks noGrp="1"/>
-          </p:cNvSpPr>
-          <p:nvPr>
-            <p:ph type="sldNum" sz="quarter" idx="12"/>
-          </p:nvPr>
-        </p:nvSpPr>
-        <p:spPr>
-          <a:xfrm>
-            <a:off x="93184" y="6454029"/>
-            <a:ext cx="2743200" cy="365125"/>
-          </a:xfrm>
-        </p:spPr>
-        <p:txBody>
-          <a:bodyPr/>
-          <a:lstStyle/>
-          <a:p>
-            <a:fld id="{D4DE910D-69DC-EA44-B504-FB462E4F2411}" type="slidenum">
-              <a:rPr kumimoji="1" lang="ja-JP" altLang="en-US" smtClean="0"/>
-              <a:pPr/>
-              <a:t>20</a:t>
+              <a:t>21</a:t>
             </a:fld>
             <a:endParaRPr kumimoji="1" lang="ja-JP" altLang="en-US" dirty="0"/>
           </a:p>
@@ -13400,281 +14049,6 @@
     <p:extLst>
       <p:ext uri="{BB962C8B-B14F-4D97-AF65-F5344CB8AC3E}">
         <p14:creationId xmlns:p14="http://schemas.microsoft.com/office/powerpoint/2010/main" val="153048207"/>
-      </p:ext>
-    </p:extLst>
-  </p:cSld>
-  <p:clrMapOvr>
-    <a:masterClrMapping/>
-  </p:clrMapOvr>
-</p:sld>
-</file>
-
-<file path=ppt/slides/slide21.xml><?xml version="1.0" encoding="utf-8"?>
-<p:sld xmlns:a="http://schemas.openxmlformats.org/drawingml/2006/main" xmlns:r="http://schemas.openxmlformats.org/officeDocument/2006/relationships" xmlns:p="http://schemas.openxmlformats.org/presentationml/2006/main">
-  <p:cSld>
-    <p:spTree>
-      <p:nvGrpSpPr>
-        <p:cNvPr id="1" name=""/>
-        <p:cNvGrpSpPr/>
-        <p:nvPr/>
-      </p:nvGrpSpPr>
-      <p:grpSpPr>
-        <a:xfrm>
-          <a:off x="0" y="0"/>
-          <a:ext cx="0" cy="0"/>
-          <a:chOff x="0" y="0"/>
-          <a:chExt cx="0" cy="0"/>
-        </a:xfrm>
-      </p:grpSpPr>
-      <p:sp>
-        <p:nvSpPr>
-          <p:cNvPr id="2" name="タイトル 1">
-            <a:extLst>
-              <a:ext uri="{FF2B5EF4-FFF2-40B4-BE49-F238E27FC236}">
-                <a16:creationId xmlns:a16="http://schemas.microsoft.com/office/drawing/2014/main" id="{8417C546-2F47-45F8-D20C-DD63540ECB0F}"/>
-              </a:ext>
-            </a:extLst>
-          </p:cNvPr>
-          <p:cNvSpPr>
-            <a:spLocks noGrp="1"/>
-          </p:cNvSpPr>
-          <p:nvPr>
-            <p:ph type="title"/>
-          </p:nvPr>
-        </p:nvSpPr>
-        <p:spPr/>
-        <p:txBody>
-          <a:bodyPr>
-            <a:normAutofit/>
-          </a:bodyPr>
-          <a:lstStyle/>
-          <a:p>
-            <a:r>
-              <a:rPr lang="en-US" altLang="ja-JP" sz="3600" dirty="0">
-                <a:solidFill>
-                  <a:srgbClr val="000000"/>
-                </a:solidFill>
-                <a:latin typeface="Meiryo" panose="020B0604030504040204" pitchFamily="50" charset="-128"/>
-                <a:ea typeface="Meiryo" panose="020B0604030504040204" pitchFamily="50" charset="-128"/>
-              </a:rPr>
-              <a:t>Zoom</a:t>
-            </a:r>
-            <a:r>
-              <a:rPr lang="ja-JP" altLang="en-US" sz="3600" dirty="0">
-                <a:solidFill>
-                  <a:srgbClr val="000000"/>
-                </a:solidFill>
-                <a:latin typeface="Meiryo" panose="020B0604030504040204" pitchFamily="50" charset="-128"/>
-                <a:ea typeface="Meiryo" panose="020B0604030504040204" pitchFamily="50" charset="-128"/>
-              </a:rPr>
-              <a:t>スクリーンショットの撮影</a:t>
-            </a:r>
-            <a:endParaRPr lang="en-US" altLang="ja-JP" sz="3600" dirty="0">
-              <a:solidFill>
-                <a:srgbClr val="000000"/>
-              </a:solidFill>
-              <a:latin typeface="Meiryo" panose="020B0604030504040204" pitchFamily="50" charset="-128"/>
-              <a:ea typeface="Meiryo" panose="020B0604030504040204" pitchFamily="50" charset="-128"/>
-            </a:endParaRPr>
-          </a:p>
-        </p:txBody>
-      </p:sp>
-      <p:sp>
-        <p:nvSpPr>
-          <p:cNvPr id="3" name="コンテンツ プレースホルダー 2">
-            <a:extLst>
-              <a:ext uri="{FF2B5EF4-FFF2-40B4-BE49-F238E27FC236}">
-                <a16:creationId xmlns:a16="http://schemas.microsoft.com/office/drawing/2014/main" id="{0BB313C9-2E8C-ADD0-02EC-C0FCEB5B771A}"/>
-              </a:ext>
-            </a:extLst>
-          </p:cNvPr>
-          <p:cNvSpPr>
-            <a:spLocks noGrp="1"/>
-          </p:cNvSpPr>
-          <p:nvPr>
-            <p:ph idx="1"/>
-          </p:nvPr>
-        </p:nvSpPr>
-        <p:spPr/>
-        <p:txBody>
-          <a:bodyPr>
-            <a:normAutofit/>
-          </a:bodyPr>
-          <a:lstStyle/>
-          <a:p>
-            <a:r>
-              <a:rPr lang="en-US" altLang="ja-JP" dirty="0">
-                <a:latin typeface="メイリオ" panose="020B0604030504040204" pitchFamily="50" charset="-128"/>
-                <a:ea typeface="メイリオ" panose="020B0604030504040204" pitchFamily="50" charset="-128"/>
-              </a:rPr>
-              <a:t>※</a:t>
-            </a:r>
-            <a:r>
-              <a:rPr lang="ja-JP" altLang="en-US" dirty="0">
-                <a:latin typeface="メイリオ" panose="020B0604030504040204" pitchFamily="50" charset="-128"/>
-                <a:ea typeface="メイリオ" panose="020B0604030504040204" pitchFamily="50" charset="-128"/>
-              </a:rPr>
-              <a:t>オンライン形式の場合のみ実施します。</a:t>
-            </a:r>
-            <a:endParaRPr lang="en-US" altLang="ja-JP" dirty="0">
-              <a:latin typeface="メイリオ" panose="020B0604030504040204" pitchFamily="50" charset="-128"/>
-              <a:ea typeface="メイリオ" panose="020B0604030504040204" pitchFamily="50" charset="-128"/>
-            </a:endParaRPr>
-          </a:p>
-          <a:p>
-            <a:endParaRPr lang="en-US" altLang="ja-JP" dirty="0">
-              <a:latin typeface="メイリオ" panose="020B0604030504040204" pitchFamily="50" charset="-128"/>
-              <a:ea typeface="メイリオ" panose="020B0604030504040204" pitchFamily="50" charset="-128"/>
-            </a:endParaRPr>
-          </a:p>
-          <a:p>
-            <a:r>
-              <a:rPr lang="en-US" altLang="ja-JP" dirty="0">
-                <a:latin typeface="メイリオ" panose="020B0604030504040204" pitchFamily="50" charset="-128"/>
-                <a:ea typeface="メイリオ" panose="020B0604030504040204" pitchFamily="50" charset="-128"/>
-              </a:rPr>
-              <a:t>1</a:t>
-            </a:r>
-            <a:r>
-              <a:rPr lang="ja-JP" altLang="en-US" dirty="0">
-                <a:latin typeface="メイリオ" panose="020B0604030504040204" pitchFamily="50" charset="-128"/>
-                <a:ea typeface="メイリオ" panose="020B0604030504040204" pitchFamily="50" charset="-128"/>
-              </a:rPr>
-              <a:t>日</a:t>
-            </a:r>
-            <a:r>
-              <a:rPr lang="en-US" altLang="ja-JP" dirty="0">
-                <a:latin typeface="メイリオ" panose="020B0604030504040204" pitchFamily="50" charset="-128"/>
-                <a:ea typeface="メイリオ" panose="020B0604030504040204" pitchFamily="50" charset="-128"/>
-              </a:rPr>
-              <a:t>3</a:t>
-            </a:r>
-            <a:r>
-              <a:rPr lang="ja-JP" altLang="en-US" dirty="0">
-                <a:latin typeface="メイリオ" panose="020B0604030504040204" pitchFamily="50" charset="-128"/>
-                <a:ea typeface="メイリオ" panose="020B0604030504040204" pitchFamily="50" charset="-128"/>
-              </a:rPr>
-              <a:t>回スクリーンショットを撮影します。</a:t>
-            </a:r>
-            <a:endParaRPr lang="en-US" altLang="ja-JP" dirty="0">
-              <a:latin typeface="メイリオ" panose="020B0604030504040204" pitchFamily="50" charset="-128"/>
-              <a:ea typeface="メイリオ" panose="020B0604030504040204" pitchFamily="50" charset="-128"/>
-            </a:endParaRPr>
-          </a:p>
-          <a:p>
-            <a:r>
-              <a:rPr lang="ja-JP" altLang="en-US" dirty="0">
-                <a:latin typeface="メイリオ" panose="020B0604030504040204" pitchFamily="50" charset="-128"/>
-                <a:ea typeface="メイリオ" panose="020B0604030504040204" pitchFamily="50" charset="-128"/>
-              </a:rPr>
-              <a:t>サポーターの指示に従ってください。</a:t>
-            </a:r>
-            <a:endParaRPr lang="en-US" altLang="ja-JP" dirty="0">
-              <a:latin typeface="メイリオ" panose="020B0604030504040204" pitchFamily="50" charset="-128"/>
-              <a:ea typeface="メイリオ" panose="020B0604030504040204" pitchFamily="50" charset="-128"/>
-            </a:endParaRPr>
-          </a:p>
-        </p:txBody>
-      </p:sp>
-      <p:sp>
-        <p:nvSpPr>
-          <p:cNvPr id="4" name="正方形/長方形 3">
-            <a:extLst>
-              <a:ext uri="{FF2B5EF4-FFF2-40B4-BE49-F238E27FC236}">
-                <a16:creationId xmlns:a16="http://schemas.microsoft.com/office/drawing/2014/main" id="{72324284-C8F0-C679-26C9-88B3CFD60C18}"/>
-              </a:ext>
-            </a:extLst>
-          </p:cNvPr>
-          <p:cNvSpPr/>
-          <p:nvPr/>
-        </p:nvSpPr>
-        <p:spPr>
-          <a:xfrm>
-            <a:off x="848413" y="85981"/>
-            <a:ext cx="3261674" cy="365125"/>
-          </a:xfrm>
-          <a:prstGeom prst="rect">
-            <a:avLst/>
-          </a:prstGeom>
-          <a:solidFill>
-            <a:schemeClr val="bg1"/>
-          </a:solidFill>
-          <a:ln>
-            <a:solidFill>
-              <a:schemeClr val="bg1"/>
-            </a:solidFill>
-          </a:ln>
-        </p:spPr>
-        <p:style>
-          <a:lnRef idx="2">
-            <a:schemeClr val="accent1">
-              <a:shade val="50000"/>
-            </a:schemeClr>
-          </a:lnRef>
-          <a:fillRef idx="1">
-            <a:schemeClr val="accent1"/>
-          </a:fillRef>
-          <a:effectRef idx="0">
-            <a:schemeClr val="accent1"/>
-          </a:effectRef>
-          <a:fontRef idx="minor">
-            <a:schemeClr val="lt1"/>
-          </a:fontRef>
-        </p:style>
-        <p:txBody>
-          <a:bodyPr rtlCol="0" anchor="ctr"/>
-          <a:lstStyle/>
-          <a:p>
-            <a:r>
-              <a:rPr kumimoji="1" lang="ja-JP" altLang="en-US" sz="2000" dirty="0">
-                <a:solidFill>
-                  <a:schemeClr val="tx1"/>
-                </a:solidFill>
-              </a:rPr>
-              <a:t>研修ガイダンス</a:t>
-            </a:r>
-          </a:p>
-        </p:txBody>
-      </p:sp>
-      <p:sp>
-        <p:nvSpPr>
-          <p:cNvPr id="5" name="スライド番号プレースホルダー 3">
-            <a:extLst>
-              <a:ext uri="{FF2B5EF4-FFF2-40B4-BE49-F238E27FC236}">
-                <a16:creationId xmlns:a16="http://schemas.microsoft.com/office/drawing/2014/main" id="{661D575F-21EA-4953-990A-37F3DCE17FBE}"/>
-              </a:ext>
-            </a:extLst>
-          </p:cNvPr>
-          <p:cNvSpPr>
-            <a:spLocks noGrp="1"/>
-          </p:cNvSpPr>
-          <p:nvPr>
-            <p:ph type="sldNum" sz="quarter" idx="12"/>
-          </p:nvPr>
-        </p:nvSpPr>
-        <p:spPr>
-          <a:xfrm>
-            <a:off x="93184" y="6454029"/>
-            <a:ext cx="2743200" cy="365125"/>
-          </a:xfrm>
-        </p:spPr>
-        <p:txBody>
-          <a:bodyPr/>
-          <a:lstStyle/>
-          <a:p>
-            <a:fld id="{D4DE910D-69DC-EA44-B504-FB462E4F2411}" type="slidenum">
-              <a:rPr kumimoji="1" lang="ja-JP" altLang="en-US" smtClean="0"/>
-              <a:pPr/>
-              <a:t>21</a:t>
-            </a:fld>
-            <a:endParaRPr kumimoji="1" lang="ja-JP" altLang="en-US" dirty="0"/>
-          </a:p>
-        </p:txBody>
-      </p:sp>
-    </p:spTree>
-    <p:extLst>
-      <p:ext uri="{BB962C8B-B14F-4D97-AF65-F5344CB8AC3E}">
-        <p14:creationId xmlns:p14="http://schemas.microsoft.com/office/powerpoint/2010/main" val="1302548613"/>
       </p:ext>
     </p:extLst>
   </p:cSld>
@@ -17687,8 +18061,8 @@
         </p:nvSpPr>
         <p:spPr>
           <a:xfrm>
-            <a:off x="838200" y="1825625"/>
-            <a:ext cx="8319448" cy="4351338"/>
+            <a:off x="838199" y="1825625"/>
+            <a:ext cx="10039595" cy="4351338"/>
           </a:xfrm>
         </p:spPr>
         <p:txBody>
@@ -17702,33 +18076,13 @@
                 <a:latin typeface="メイリオ" panose="020B0604030504040204" pitchFamily="50" charset="-128"/>
                 <a:ea typeface="メイリオ" panose="020B0604030504040204" pitchFamily="50" charset="-128"/>
               </a:rPr>
-              <a:t>１．事前に</a:t>
+              <a:t>１．事前に共有フォルダから</a:t>
             </a:r>
             <a:r>
               <a:rPr lang="en-US" altLang="ja-JP" dirty="0">
                 <a:latin typeface="メイリオ" panose="020B0604030504040204" pitchFamily="50" charset="-128"/>
                 <a:ea typeface="メイリオ" panose="020B0604030504040204" pitchFamily="50" charset="-128"/>
               </a:rPr>
-              <a:t>LMS</a:t>
-            </a:r>
-            <a:r>
-              <a:rPr lang="ja-JP" altLang="en-US" dirty="0">
-                <a:latin typeface="メイリオ" panose="020B0604030504040204" pitchFamily="50" charset="-128"/>
-                <a:ea typeface="メイリオ" panose="020B0604030504040204" pitchFamily="50" charset="-128"/>
-              </a:rPr>
-              <a:t>の教材ダウンロード画面から</a:t>
-            </a:r>
-            <a:endParaRPr lang="en-US" altLang="ja-JP" dirty="0">
-              <a:latin typeface="メイリオ" panose="020B0604030504040204" pitchFamily="50" charset="-128"/>
-              <a:ea typeface="メイリオ" panose="020B0604030504040204" pitchFamily="50" charset="-128"/>
-            </a:endParaRPr>
-          </a:p>
-          <a:p>
-            <a:r>
-              <a:rPr lang="en-US" altLang="ja-JP" dirty="0">
-                <a:latin typeface="メイリオ" panose="020B0604030504040204" pitchFamily="50" charset="-128"/>
-                <a:ea typeface="メイリオ" panose="020B0604030504040204" pitchFamily="50" charset="-128"/>
-              </a:rPr>
               <a:t>	</a:t>
             </a:r>
             <a:r>
@@ -17736,7 +18090,7 @@
                 <a:latin typeface="メイリオ" panose="020B0604030504040204" pitchFamily="50" charset="-128"/>
                 <a:ea typeface="メイリオ" panose="020B0604030504040204" pitchFamily="50" charset="-128"/>
               </a:rPr>
-              <a:t>ダウンロードした「</a:t>
+              <a:t>ダウンロードしたファイル内記載の「</a:t>
             </a:r>
             <a:r>
               <a:rPr lang="en-US" altLang="ja-JP" dirty="0">
@@ -20882,7 +21236,7 @@
         <p:spPr/>
         <p:txBody>
           <a:bodyPr>
-            <a:normAutofit/>
+            <a:normAutofit lnSpcReduction="10000"/>
           </a:bodyPr>
           <a:lstStyle/>
           <a:p>
@@ -21138,17 +21492,17 @@
             <a:r>
               <a:rPr lang="en-US" altLang="ja-JP" dirty="0">
                 <a:solidFill>
-                  <a:schemeClr val="tx1"/>
+                  <a:schemeClr val="bg2"/>
                 </a:solidFill>
                 <a:latin typeface="メイリオ" panose="020B0604030504040204" pitchFamily="50" charset="-128"/>
                 <a:ea typeface="メイリオ" panose="020B0604030504040204" pitchFamily="50" charset="-128"/>
               </a:rPr>
-              <a:t>Slack</a:t>
+              <a:t>[rm]Slack</a:t>
             </a:r>
             <a:r>
               <a:rPr lang="ja-JP" altLang="en-US" dirty="0">
                 <a:solidFill>
-                  <a:schemeClr val="tx1"/>
+                  <a:schemeClr val="bg2"/>
                 </a:solidFill>
                 <a:latin typeface="メイリオ" panose="020B0604030504040204" pitchFamily="50" charset="-128"/>
                 <a:ea typeface="メイリオ" panose="020B0604030504040204" pitchFamily="50" charset="-128"/>
@@ -21197,6 +21551,56 @@
               </a:rPr>
               <a:t>受講生マニュアル</a:t>
             </a:r>
+            <a:endParaRPr lang="en-US" altLang="ja-JP" dirty="0">
+              <a:solidFill>
+                <a:schemeClr val="tx1"/>
+              </a:solidFill>
+              <a:latin typeface="メイリオ" panose="020B0604030504040204" pitchFamily="50" charset="-128"/>
+              <a:ea typeface="メイリオ" panose="020B0604030504040204" pitchFamily="50" charset="-128"/>
+            </a:endParaRPr>
+          </a:p>
+          <a:p>
+            <a:pPr marL="857250" lvl="1" indent="-342900">
+              <a:buFont typeface="Arial" panose="020B0604020202020204" pitchFamily="34" charset="0"/>
+              <a:buChar char="•"/>
+            </a:pPr>
+            <a:r>
+              <a:rPr lang="en-US" altLang="ja-JP" dirty="0">
+                <a:solidFill>
+                  <a:schemeClr val="tx1"/>
+                </a:solidFill>
+                <a:latin typeface="メイリオ" panose="020B0604030504040204" pitchFamily="50" charset="-128"/>
+                <a:ea typeface="メイリオ" panose="020B0604030504040204" pitchFamily="50" charset="-128"/>
+              </a:rPr>
+              <a:t>[add]Zoom</a:t>
+            </a:r>
+            <a:r>
+              <a:rPr lang="ja-JP" altLang="en-US" dirty="0">
+                <a:solidFill>
+                  <a:schemeClr val="tx1"/>
+                </a:solidFill>
+                <a:latin typeface="メイリオ" panose="020B0604030504040204" pitchFamily="50" charset="-128"/>
+                <a:ea typeface="メイリオ" panose="020B0604030504040204" pitchFamily="50" charset="-128"/>
+              </a:rPr>
+              <a:t>疎通確認マニュアル</a:t>
+            </a:r>
+            <a:r>
+              <a:rPr lang="en-US" altLang="ja-JP" dirty="0">
+                <a:solidFill>
+                  <a:schemeClr val="tx1"/>
+                </a:solidFill>
+                <a:latin typeface="メイリオ" panose="020B0604030504040204" pitchFamily="50" charset="-128"/>
+                <a:ea typeface="メイリオ" panose="020B0604030504040204" pitchFamily="50" charset="-128"/>
+              </a:rPr>
+              <a:t>_1.3.pdf</a:t>
+            </a:r>
+            <a:endParaRPr lang="ja-JP" altLang="en-US" dirty="0">
+              <a:solidFill>
+                <a:schemeClr val="tx1"/>
+              </a:solidFill>
+              <a:latin typeface="メイリオ" panose="020B0604030504040204" pitchFamily="50" charset="-128"/>
+              <a:ea typeface="メイリオ" panose="020B0604030504040204" pitchFamily="50" charset="-128"/>
+            </a:endParaRPr>
           </a:p>
           <a:p>
             <a:pPr marL="857250" lvl="1" indent="-342900">
@@ -22977,17 +23381,14 @@
                 <a:latin typeface="メイリオ" panose="020B0604030504040204" pitchFamily="50" charset="-128"/>
                 <a:ea typeface="メイリオ" panose="020B0604030504040204" pitchFamily="50" charset="-128"/>
               </a:rPr>
-              <a:t>】</a:t>
-            </a:r>
-          </a:p>
-          <a:p>
-            <a:pPr lvl="1"/>
-            <a:r>
-              <a:rPr lang="ja-JP" altLang="en-US" dirty="0">
-                <a:latin typeface="メイリオ" panose="020B0604030504040204" pitchFamily="50" charset="-128"/>
-                <a:ea typeface="メイリオ" panose="020B0604030504040204" pitchFamily="50" charset="-128"/>
-              </a:rPr>
-              <a:t>理解できたこと</a:t>
+              <a:t>】: </a:t>
+            </a:r>
+            <a:r>
+              <a:rPr lang="ja-JP" altLang="en-US" dirty="0">
+                <a:latin typeface="メイリオ" panose="020B0604030504040204" pitchFamily="50" charset="-128"/>
+                <a:ea typeface="メイリオ" panose="020B0604030504040204" pitchFamily="50" charset="-128"/>
+              </a:rPr>
+              <a:t>簡易版</a:t>
             </a:r>
             <a:endParaRPr lang="en-US" altLang="ja-JP" dirty="0">
               <a:latin typeface="メイリオ" panose="020B0604030504040204" pitchFamily="50" charset="-128"/>
@@ -23001,7 +23402,7 @@
                 <a:latin typeface="メイリオ" panose="020B0604030504040204" pitchFamily="50" charset="-128"/>
                 <a:ea typeface="メイリオ" panose="020B0604030504040204" pitchFamily="50" charset="-128"/>
               </a:rPr>
-              <a:t>理解できなかったこと</a:t>
+              <a:t>理解できたこと</a:t>
             </a:r>
             <a:endParaRPr lang="en-US" altLang="ja-JP" dirty="0">
               <a:latin typeface="メイリオ" panose="020B0604030504040204" pitchFamily="50" charset="-128"/>
@@ -23015,7 +23416,7 @@
                 <a:latin typeface="メイリオ" panose="020B0604030504040204" pitchFamily="50" charset="-128"/>
                 <a:ea typeface="メイリオ" panose="020B0604030504040204" pitchFamily="50" charset="-128"/>
               </a:rPr>
-              <a:t>所感</a:t>
+              <a:t>理解できなかったこと</a:t>
             </a:r>
             <a:endParaRPr lang="en-US" altLang="ja-JP" dirty="0">
               <a:latin typeface="メイリオ" panose="020B0604030504040204" pitchFamily="50" charset="-128"/>
@@ -23023,12 +23424,26 @@
             </a:endParaRPr>
           </a:p>
           <a:p>
+            <a:pPr lvl="1"/>
+            <a:r>
+              <a:rPr lang="ja-JP" altLang="en-US" dirty="0">
+                <a:latin typeface="メイリオ" panose="020B0604030504040204" pitchFamily="50" charset="-128"/>
+                <a:ea typeface="メイリオ" panose="020B0604030504040204" pitchFamily="50" charset="-128"/>
+              </a:rPr>
+              <a:t>所感</a:t>
+            </a:r>
             <a:endParaRPr lang="en-US" altLang="ja-JP" dirty="0">
               <a:latin typeface="メイリオ" panose="020B0604030504040204" pitchFamily="50" charset="-128"/>
               <a:ea typeface="メイリオ" panose="020B0604030504040204" pitchFamily="50" charset="-128"/>
             </a:endParaRPr>
           </a:p>
           <a:p>
+            <a:endParaRPr lang="en-US" altLang="ja-JP" dirty="0">
+              <a:latin typeface="メイリオ" panose="020B0604030504040204" pitchFamily="50" charset="-128"/>
+              <a:ea typeface="メイリオ" panose="020B0604030504040204" pitchFamily="50" charset="-128"/>
+            </a:endParaRPr>
+          </a:p>
+          <a:p>
             <a:r>
               <a:rPr lang="en-US" altLang="ja-JP" u="sng" dirty="0">
                 <a:latin typeface="メイリオ" panose="020B0604030504040204" pitchFamily="50" charset="-128"/>
@@ -23094,7 +23509,7 @@
                 <a:latin typeface="メイリオ" panose="020B0604030504040204" pitchFamily="50" charset="-128"/>
                 <a:ea typeface="メイリオ" panose="020B0604030504040204" pitchFamily="50" charset="-128"/>
               </a:rPr>
-              <a:t>入門の期間は簡易的に説明し、詳しい説明は開講日に実施します。</a:t>
+              <a:t>入門の期間は簡易的な内容で日報をご記入ください。</a:t>
             </a:r>
             <a:endParaRPr lang="en-US" altLang="ja-JP" dirty="0">
               <a:latin typeface="メイリオ" panose="020B0604030504040204" pitchFamily="50" charset="-128"/>
